--- a/report/ONLINE PEACE TAILORING SHOPPING STORE.pptx
+++ b/report/ONLINE PEACE TAILORING SHOPPING STORE.pptx
@@ -17,6 +17,7 @@
     <p:sldId id="269" r:id="rId11"/>
     <p:sldId id="267" r:id="rId12"/>
     <p:sldId id="268" r:id="rId13"/>
+    <p:sldId id="270" r:id="rId14"/>
   </p:sldIdLst>
   <p:sldSz cx="12192000" cy="6858000"/>
   <p:notesSz cx="6858000" cy="9144000"/>
@@ -467,7 +468,7 @@
             <a:fld id="{B61BEF0D-F0BB-DE4B-95CE-6DB70DBA9567}" type="datetimeFigureOut">
               <a:rPr lang="en-US" smtClean="0"/>
               <a:pPr/>
-              <a:t>11/27/2018</a:t>
+              <a:t>11/28/2018</a:t>
             </a:fld>
             <a:endParaRPr lang="en-US" dirty="0"/>
           </a:p>
@@ -793,7 +794,7 @@
             <a:fld id="{B61BEF0D-F0BB-DE4B-95CE-6DB70DBA9567}" type="datetimeFigureOut">
               <a:rPr lang="en-US" smtClean="0"/>
               <a:pPr/>
-              <a:t>11/27/2018</a:t>
+              <a:t>11/28/2018</a:t>
             </a:fld>
             <a:endParaRPr lang="en-US" dirty="0"/>
           </a:p>
@@ -1043,7 +1044,7 @@
             <a:fld id="{B61BEF0D-F0BB-DE4B-95CE-6DB70DBA9567}" type="datetimeFigureOut">
               <a:rPr lang="en-US" smtClean="0"/>
               <a:pPr/>
-              <a:t>11/27/2018</a:t>
+              <a:t>11/28/2018</a:t>
             </a:fld>
             <a:endParaRPr lang="en-US" dirty="0"/>
           </a:p>
@@ -1384,7 +1385,7 @@
             <a:fld id="{B61BEF0D-F0BB-DE4B-95CE-6DB70DBA9567}" type="datetimeFigureOut">
               <a:rPr lang="en-US" smtClean="0"/>
               <a:pPr/>
-              <a:t>11/27/2018</a:t>
+              <a:t>11/28/2018</a:t>
             </a:fld>
             <a:endParaRPr lang="en-US" dirty="0"/>
           </a:p>
@@ -1733,7 +1734,7 @@
             <a:fld id="{B61BEF0D-F0BB-DE4B-95CE-6DB70DBA9567}" type="datetimeFigureOut">
               <a:rPr lang="en-US" smtClean="0"/>
               <a:pPr/>
-              <a:t>11/27/2018</a:t>
+              <a:t>11/28/2018</a:t>
             </a:fld>
             <a:endParaRPr lang="en-US" dirty="0"/>
           </a:p>
@@ -2109,7 +2110,7 @@
             <a:fld id="{B61BEF0D-F0BB-DE4B-95CE-6DB70DBA9567}" type="datetimeFigureOut">
               <a:rPr lang="en-US" smtClean="0"/>
               <a:pPr/>
-              <a:t>11/27/2018</a:t>
+              <a:t>11/28/2018</a:t>
             </a:fld>
             <a:endParaRPr lang="en-US" dirty="0"/>
           </a:p>
@@ -2581,7 +2582,7 @@
             <a:fld id="{B61BEF0D-F0BB-DE4B-95CE-6DB70DBA9567}" type="datetimeFigureOut">
               <a:rPr lang="en-US" smtClean="0"/>
               <a:pPr/>
-              <a:t>11/27/2018</a:t>
+              <a:t>11/28/2018</a:t>
             </a:fld>
             <a:endParaRPr lang="en-US" dirty="0"/>
           </a:p>
@@ -2788,7 +2789,7 @@
             <a:fld id="{B61BEF0D-F0BB-DE4B-95CE-6DB70DBA9567}" type="datetimeFigureOut">
               <a:rPr lang="en-US" smtClean="0"/>
               <a:pPr/>
-              <a:t>11/27/2018</a:t>
+              <a:t>11/28/2018</a:t>
             </a:fld>
             <a:endParaRPr lang="en-US" dirty="0"/>
           </a:p>
@@ -3001,7 +3002,7 @@
             <a:fld id="{B61BEF0D-F0BB-DE4B-95CE-6DB70DBA9567}" type="datetimeFigureOut">
               <a:rPr lang="en-US" smtClean="0"/>
               <a:pPr/>
-              <a:t>11/27/2018</a:t>
+              <a:t>11/28/2018</a:t>
             </a:fld>
             <a:endParaRPr lang="en-US" dirty="0"/>
           </a:p>
@@ -3234,7 +3235,7 @@
           <a:p>
             <a:fld id="{52647F38-B617-4D2F-AE0A-013F0C4D2C57}" type="datetimeFigureOut">
               <a:rPr lang="en-US" smtClean="0"/>
-              <a:t>11/27/2018</a:t>
+              <a:t>11/28/2018</a:t>
             </a:fld>
             <a:endParaRPr lang="en-US" dirty="0"/>
           </a:p>
@@ -3483,7 +3484,7 @@
             <a:fld id="{B61BEF0D-F0BB-DE4B-95CE-6DB70DBA9567}" type="datetimeFigureOut">
               <a:rPr lang="en-US" smtClean="0"/>
               <a:pPr/>
-              <a:t>11/27/2018</a:t>
+              <a:t>11/28/2018</a:t>
             </a:fld>
             <a:endParaRPr lang="en-US" dirty="0"/>
           </a:p>
@@ -3782,7 +3783,7 @@
           <a:p>
             <a:fld id="{05BFA754-D5C3-4E66-96A6-867B257F58DC}" type="datetimeFigureOut">
               <a:rPr lang="en-US" smtClean="0"/>
-              <a:t>11/27/2018</a:t>
+              <a:t>11/28/2018</a:t>
             </a:fld>
             <a:endParaRPr lang="en-US" dirty="0"/>
           </a:p>
@@ -4177,7 +4178,7 @@
             <a:fld id="{B61BEF0D-F0BB-DE4B-95CE-6DB70DBA9567}" type="datetimeFigureOut">
               <a:rPr lang="en-US" smtClean="0"/>
               <a:pPr/>
-              <a:t>11/27/2018</a:t>
+              <a:t>11/28/2018</a:t>
             </a:fld>
             <a:endParaRPr lang="en-US" dirty="0"/>
           </a:p>
@@ -4328,7 +4329,7 @@
             <a:fld id="{B61BEF0D-F0BB-DE4B-95CE-6DB70DBA9567}" type="datetimeFigureOut">
               <a:rPr lang="en-US" smtClean="0"/>
               <a:pPr/>
-              <a:t>11/27/2018</a:t>
+              <a:t>11/28/2018</a:t>
             </a:fld>
             <a:endParaRPr lang="en-US" dirty="0"/>
           </a:p>
@@ -4456,7 +4457,7 @@
             <a:fld id="{B61BEF0D-F0BB-DE4B-95CE-6DB70DBA9567}" type="datetimeFigureOut">
               <a:rPr lang="en-US" smtClean="0"/>
               <a:pPr/>
-              <a:t>11/27/2018</a:t>
+              <a:t>11/28/2018</a:t>
             </a:fld>
             <a:endParaRPr lang="en-US" dirty="0"/>
           </a:p>
@@ -4713,7 +4714,7 @@
             <a:fld id="{B61BEF0D-F0BB-DE4B-95CE-6DB70DBA9567}" type="datetimeFigureOut">
               <a:rPr lang="en-US" smtClean="0"/>
               <a:pPr/>
-              <a:t>11/27/2018</a:t>
+              <a:t>11/28/2018</a:t>
             </a:fld>
             <a:endParaRPr lang="en-US" dirty="0"/>
           </a:p>
@@ -5030,7 +5031,7 @@
             <a:fld id="{B61BEF0D-F0BB-DE4B-95CE-6DB70DBA9567}" type="datetimeFigureOut">
               <a:rPr lang="en-US" smtClean="0"/>
               <a:pPr/>
-              <a:t>11/27/2018</a:t>
+              <a:t>11/28/2018</a:t>
             </a:fld>
             <a:endParaRPr lang="en-US" dirty="0"/>
           </a:p>
@@ -5383,7 +5384,7 @@
             <a:fld id="{B61BEF0D-F0BB-DE4B-95CE-6DB70DBA9567}" type="datetimeFigureOut">
               <a:rPr lang="en-US" smtClean="0"/>
               <a:pPr/>
-              <a:t>11/27/2018</a:t>
+              <a:t>11/28/2018</a:t>
             </a:fld>
             <a:endParaRPr lang="en-US" dirty="0"/>
           </a:p>
@@ -8102,6 +8103,27 @@
           <a:bodyPr/>
           <a:lstStyle/>
           <a:p>
+            <a:r>
+              <a:rPr lang="en-US" dirty="0"/>
+              <a:t>This project will at the end contribute towards enhancing shopper experience while shopping online for clothes with ease and from a wide domains </a:t>
+            </a:r>
+            <a:r>
+              <a:rPr lang="en-US" dirty="0" err="1"/>
+              <a:t>aof</a:t>
+            </a:r>
+            <a:r>
+              <a:rPr lang="en-US" dirty="0"/>
+              <a:t> designers from all over the country.</a:t>
+            </a:r>
+          </a:p>
+          <a:p>
+            <a:r>
+              <a:rPr lang="en-US" dirty="0"/>
+              <a:t>Income earning opportunities will also be created for the designers and the transporters within, hence bettering lives for all the parties involved while contributing to economic development. </a:t>
+            </a:r>
+          </a:p>
+          <a:p>
+            <a:pPr lvl="4"/>
             <a:endParaRPr lang="en-US" dirty="0"/>
           </a:p>
         </p:txBody>
@@ -8110,6 +8132,118 @@
     <p:extLst>
       <p:ext uri="{BB962C8B-B14F-4D97-AF65-F5344CB8AC3E}">
         <p14:creationId xmlns:p14="http://schemas.microsoft.com/office/powerpoint/2010/main" val="3279680828"/>
+      </p:ext>
+    </p:extLst>
+  </p:cSld>
+  <p:clrMapOvr>
+    <a:masterClrMapping/>
+  </p:clrMapOvr>
+</p:sld>
+</file>
+
+<file path=ppt/slides/slide13.xml><?xml version="1.0" encoding="utf-8"?>
+<p:sld xmlns:a="http://schemas.openxmlformats.org/drawingml/2006/main" xmlns:r="http://schemas.openxmlformats.org/officeDocument/2006/relationships" xmlns:p="http://schemas.openxmlformats.org/presentationml/2006/main">
+  <p:cSld>
+    <p:spTree>
+      <p:nvGrpSpPr>
+        <p:cNvPr id="1" name=""/>
+        <p:cNvGrpSpPr/>
+        <p:nvPr/>
+      </p:nvGrpSpPr>
+      <p:grpSpPr>
+        <a:xfrm>
+          <a:off x="0" y="0"/>
+          <a:ext cx="0" cy="0"/>
+          <a:chOff x="0" y="0"/>
+          <a:chExt cx="0" cy="0"/>
+        </a:xfrm>
+      </p:grpSpPr>
+      <p:sp>
+        <p:nvSpPr>
+          <p:cNvPr id="2" name="Title 1">
+            <a:extLst>
+              <a:ext uri="{FF2B5EF4-FFF2-40B4-BE49-F238E27FC236}">
+                <a16:creationId xmlns:a16="http://schemas.microsoft.com/office/drawing/2014/main" id="{22E2BAF7-AECB-470D-B5FD-9AE4667BE5C9}"/>
+              </a:ext>
+            </a:extLst>
+          </p:cNvPr>
+          <p:cNvSpPr>
+            <a:spLocks noGrp="1"/>
+          </p:cNvSpPr>
+          <p:nvPr>
+            <p:ph type="title"/>
+          </p:nvPr>
+        </p:nvSpPr>
+        <p:spPr/>
+        <p:txBody>
+          <a:bodyPr/>
+          <a:lstStyle/>
+          <a:p>
+            <a:r>
+              <a:rPr lang="en-US" dirty="0"/>
+              <a:t>The End</a:t>
+            </a:r>
+          </a:p>
+        </p:txBody>
+      </p:sp>
+      <p:sp>
+        <p:nvSpPr>
+          <p:cNvPr id="3" name="Content Placeholder 2">
+            <a:extLst>
+              <a:ext uri="{FF2B5EF4-FFF2-40B4-BE49-F238E27FC236}">
+                <a16:creationId xmlns:a16="http://schemas.microsoft.com/office/drawing/2014/main" id="{C83B26EA-F015-45A2-84E6-74F4FAD59D3B}"/>
+              </a:ext>
+            </a:extLst>
+          </p:cNvPr>
+          <p:cNvSpPr>
+            <a:spLocks noGrp="1"/>
+          </p:cNvSpPr>
+          <p:nvPr>
+            <p:ph idx="1"/>
+          </p:nvPr>
+        </p:nvSpPr>
+        <p:spPr/>
+        <p:txBody>
+          <a:bodyPr/>
+          <a:lstStyle/>
+          <a:p>
+            <a:pPr marL="0" indent="0">
+              <a:buNone/>
+            </a:pPr>
+            <a:r>
+              <a:rPr lang="en-US" dirty="0"/>
+              <a:t>		</a:t>
+            </a:r>
+          </a:p>
+          <a:p>
+            <a:pPr marL="0" indent="0">
+              <a:buNone/>
+            </a:pPr>
+            <a:endParaRPr lang="en-US" dirty="0"/>
+          </a:p>
+          <a:p>
+            <a:pPr marL="0" indent="0">
+              <a:buNone/>
+            </a:pPr>
+            <a:r>
+              <a:rPr lang="en-US" dirty="0"/>
+              <a:t>						</a:t>
+            </a:r>
+            <a:r>
+              <a:rPr lang="en-US" dirty="0">
+                <a:solidFill>
+                  <a:srgbClr val="FF0000"/>
+                </a:solidFill>
+              </a:rPr>
+              <a:t>…Thank You For Your Time…</a:t>
+            </a:r>
+          </a:p>
+        </p:txBody>
+      </p:sp>
+    </p:spTree>
+    <p:extLst>
+      <p:ext uri="{BB962C8B-B14F-4D97-AF65-F5344CB8AC3E}">
+        <p14:creationId xmlns:p14="http://schemas.microsoft.com/office/powerpoint/2010/main" val="2281598902"/>
       </p:ext>
     </p:extLst>
   </p:cSld>

--- a/report/ONLINE PEACE TAILORING SHOPPING STORE.pptx
+++ b/report/ONLINE PEACE TAILORING SHOPPING STORE.pptx
@@ -468,7 +468,7 @@
             <a:fld id="{B61BEF0D-F0BB-DE4B-95CE-6DB70DBA9567}" type="datetimeFigureOut">
               <a:rPr lang="en-US" smtClean="0"/>
               <a:pPr/>
-              <a:t>11/28/2018</a:t>
+              <a:t>11/29/2018</a:t>
             </a:fld>
             <a:endParaRPr lang="en-US" dirty="0"/>
           </a:p>
@@ -794,7 +794,7 @@
             <a:fld id="{B61BEF0D-F0BB-DE4B-95CE-6DB70DBA9567}" type="datetimeFigureOut">
               <a:rPr lang="en-US" smtClean="0"/>
               <a:pPr/>
-              <a:t>11/28/2018</a:t>
+              <a:t>11/29/2018</a:t>
             </a:fld>
             <a:endParaRPr lang="en-US" dirty="0"/>
           </a:p>
@@ -1044,7 +1044,7 @@
             <a:fld id="{B61BEF0D-F0BB-DE4B-95CE-6DB70DBA9567}" type="datetimeFigureOut">
               <a:rPr lang="en-US" smtClean="0"/>
               <a:pPr/>
-              <a:t>11/28/2018</a:t>
+              <a:t>11/29/2018</a:t>
             </a:fld>
             <a:endParaRPr lang="en-US" dirty="0"/>
           </a:p>
@@ -1385,7 +1385,7 @@
             <a:fld id="{B61BEF0D-F0BB-DE4B-95CE-6DB70DBA9567}" type="datetimeFigureOut">
               <a:rPr lang="en-US" smtClean="0"/>
               <a:pPr/>
-              <a:t>11/28/2018</a:t>
+              <a:t>11/29/2018</a:t>
             </a:fld>
             <a:endParaRPr lang="en-US" dirty="0"/>
           </a:p>
@@ -1734,7 +1734,7 @@
             <a:fld id="{B61BEF0D-F0BB-DE4B-95CE-6DB70DBA9567}" type="datetimeFigureOut">
               <a:rPr lang="en-US" smtClean="0"/>
               <a:pPr/>
-              <a:t>11/28/2018</a:t>
+              <a:t>11/29/2018</a:t>
             </a:fld>
             <a:endParaRPr lang="en-US" dirty="0"/>
           </a:p>
@@ -2110,7 +2110,7 @@
             <a:fld id="{B61BEF0D-F0BB-DE4B-95CE-6DB70DBA9567}" type="datetimeFigureOut">
               <a:rPr lang="en-US" smtClean="0"/>
               <a:pPr/>
-              <a:t>11/28/2018</a:t>
+              <a:t>11/29/2018</a:t>
             </a:fld>
             <a:endParaRPr lang="en-US" dirty="0"/>
           </a:p>
@@ -2582,7 +2582,7 @@
             <a:fld id="{B61BEF0D-F0BB-DE4B-95CE-6DB70DBA9567}" type="datetimeFigureOut">
               <a:rPr lang="en-US" smtClean="0"/>
               <a:pPr/>
-              <a:t>11/28/2018</a:t>
+              <a:t>11/29/2018</a:t>
             </a:fld>
             <a:endParaRPr lang="en-US" dirty="0"/>
           </a:p>
@@ -2789,7 +2789,7 @@
             <a:fld id="{B61BEF0D-F0BB-DE4B-95CE-6DB70DBA9567}" type="datetimeFigureOut">
               <a:rPr lang="en-US" smtClean="0"/>
               <a:pPr/>
-              <a:t>11/28/2018</a:t>
+              <a:t>11/29/2018</a:t>
             </a:fld>
             <a:endParaRPr lang="en-US" dirty="0"/>
           </a:p>
@@ -3002,7 +3002,7 @@
             <a:fld id="{B61BEF0D-F0BB-DE4B-95CE-6DB70DBA9567}" type="datetimeFigureOut">
               <a:rPr lang="en-US" smtClean="0"/>
               <a:pPr/>
-              <a:t>11/28/2018</a:t>
+              <a:t>11/29/2018</a:t>
             </a:fld>
             <a:endParaRPr lang="en-US" dirty="0"/>
           </a:p>
@@ -3235,7 +3235,7 @@
           <a:p>
             <a:fld id="{52647F38-B617-4D2F-AE0A-013F0C4D2C57}" type="datetimeFigureOut">
               <a:rPr lang="en-US" smtClean="0"/>
-              <a:t>11/28/2018</a:t>
+              <a:t>11/29/2018</a:t>
             </a:fld>
             <a:endParaRPr lang="en-US" dirty="0"/>
           </a:p>
@@ -3484,7 +3484,7 @@
             <a:fld id="{B61BEF0D-F0BB-DE4B-95CE-6DB70DBA9567}" type="datetimeFigureOut">
               <a:rPr lang="en-US" smtClean="0"/>
               <a:pPr/>
-              <a:t>11/28/2018</a:t>
+              <a:t>11/29/2018</a:t>
             </a:fld>
             <a:endParaRPr lang="en-US" dirty="0"/>
           </a:p>
@@ -3783,7 +3783,7 @@
           <a:p>
             <a:fld id="{05BFA754-D5C3-4E66-96A6-867B257F58DC}" type="datetimeFigureOut">
               <a:rPr lang="en-US" smtClean="0"/>
-              <a:t>11/28/2018</a:t>
+              <a:t>11/29/2018</a:t>
             </a:fld>
             <a:endParaRPr lang="en-US" dirty="0"/>
           </a:p>
@@ -4178,7 +4178,7 @@
             <a:fld id="{B61BEF0D-F0BB-DE4B-95CE-6DB70DBA9567}" type="datetimeFigureOut">
               <a:rPr lang="en-US" smtClean="0"/>
               <a:pPr/>
-              <a:t>11/28/2018</a:t>
+              <a:t>11/29/2018</a:t>
             </a:fld>
             <a:endParaRPr lang="en-US" dirty="0"/>
           </a:p>
@@ -4329,7 +4329,7 @@
             <a:fld id="{B61BEF0D-F0BB-DE4B-95CE-6DB70DBA9567}" type="datetimeFigureOut">
               <a:rPr lang="en-US" smtClean="0"/>
               <a:pPr/>
-              <a:t>11/28/2018</a:t>
+              <a:t>11/29/2018</a:t>
             </a:fld>
             <a:endParaRPr lang="en-US" dirty="0"/>
           </a:p>
@@ -4457,7 +4457,7 @@
             <a:fld id="{B61BEF0D-F0BB-DE4B-95CE-6DB70DBA9567}" type="datetimeFigureOut">
               <a:rPr lang="en-US" smtClean="0"/>
               <a:pPr/>
-              <a:t>11/28/2018</a:t>
+              <a:t>11/29/2018</a:t>
             </a:fld>
             <a:endParaRPr lang="en-US" dirty="0"/>
           </a:p>
@@ -4714,7 +4714,7 @@
             <a:fld id="{B61BEF0D-F0BB-DE4B-95CE-6DB70DBA9567}" type="datetimeFigureOut">
               <a:rPr lang="en-US" smtClean="0"/>
               <a:pPr/>
-              <a:t>11/28/2018</a:t>
+              <a:t>11/29/2018</a:t>
             </a:fld>
             <a:endParaRPr lang="en-US" dirty="0"/>
           </a:p>
@@ -5031,7 +5031,7 @@
             <a:fld id="{B61BEF0D-F0BB-DE4B-95CE-6DB70DBA9567}" type="datetimeFigureOut">
               <a:rPr lang="en-US" smtClean="0"/>
               <a:pPr/>
-              <a:t>11/28/2018</a:t>
+              <a:t>11/29/2018</a:t>
             </a:fld>
             <a:endParaRPr lang="en-US" dirty="0"/>
           </a:p>
@@ -5384,7 +5384,7 @@
             <a:fld id="{B61BEF0D-F0BB-DE4B-95CE-6DB70DBA9567}" type="datetimeFigureOut">
               <a:rPr lang="en-US" smtClean="0"/>
               <a:pPr/>
-              <a:t>11/28/2018</a:t>
+              <a:t>11/29/2018</a:t>
             </a:fld>
             <a:endParaRPr lang="en-US" dirty="0"/>
           </a:p>
@@ -8322,7 +8322,7 @@
         <p:spPr/>
         <p:txBody>
           <a:bodyPr>
-            <a:normAutofit fontScale="85000" lnSpcReduction="10000"/>
+            <a:normAutofit/>
           </a:bodyPr>
           <a:lstStyle/>
           <a:p>
@@ -8332,30 +8332,17 @@
             </a:r>
           </a:p>
           <a:p>
+            <a:endParaRPr lang="en-US" dirty="0"/>
+          </a:p>
+          <a:p>
             <a:r>
               <a:rPr lang="en-US" dirty="0"/>
-              <a:t>There are several online stores in the country that deal with clothing but most of them focus on single gender specification.</a:t>
-            </a:r>
-          </a:p>
-          <a:p>
-            <a:r>
-              <a:rPr lang="en-US" dirty="0"/>
-              <a:t>My research on the emerging trends in online shopping and fashion exposed me to a few weaknesses that exist in the current shopping stores.</a:t>
-            </a:r>
-          </a:p>
-          <a:p>
-            <a:r>
-              <a:rPr lang="en-US" dirty="0"/>
-              <a:t>My projects will be focused on coming up with a system that is an improvement of the current systems and also takes advantage of the current systems that are already in place.</a:t>
-            </a:r>
-          </a:p>
-          <a:p>
-            <a:r>
-              <a:rPr lang="en-US" dirty="0"/>
-              <a:t>This system will help better the shopping experience by taking into consideration the both the shoppers and the individuals in the store who make the system work. </a:t>
-            </a:r>
-          </a:p>
-          <a:p>
+              <a:t>Online stores have revolutionized the way shoppers </a:t>
+            </a:r>
+            <a:r>
+              <a:rPr lang="en-US"/>
+              <a:t>make purchases</a:t>
+            </a:r>
             <a:endParaRPr lang="en-US" dirty="0"/>
           </a:p>
         </p:txBody>

--- a/report/ONLINE PEACE TAILORING SHOPPING STORE.pptx
+++ b/report/ONLINE PEACE TAILORING SHOPPING STORE.pptx
@@ -8,16 +8,17 @@
     <p:sldId id="256" r:id="rId2"/>
     <p:sldId id="257" r:id="rId3"/>
     <p:sldId id="258" r:id="rId4"/>
-    <p:sldId id="259" r:id="rId5"/>
-    <p:sldId id="260" r:id="rId6"/>
-    <p:sldId id="262" r:id="rId7"/>
-    <p:sldId id="263" r:id="rId8"/>
-    <p:sldId id="264" r:id="rId9"/>
-    <p:sldId id="265" r:id="rId10"/>
-    <p:sldId id="269" r:id="rId11"/>
-    <p:sldId id="267" r:id="rId12"/>
-    <p:sldId id="268" r:id="rId13"/>
-    <p:sldId id="270" r:id="rId14"/>
+    <p:sldId id="271" r:id="rId5"/>
+    <p:sldId id="259" r:id="rId6"/>
+    <p:sldId id="260" r:id="rId7"/>
+    <p:sldId id="262" r:id="rId8"/>
+    <p:sldId id="263" r:id="rId9"/>
+    <p:sldId id="264" r:id="rId10"/>
+    <p:sldId id="265" r:id="rId11"/>
+    <p:sldId id="269" r:id="rId12"/>
+    <p:sldId id="267" r:id="rId13"/>
+    <p:sldId id="268" r:id="rId14"/>
+    <p:sldId id="270" r:id="rId15"/>
   </p:sldIdLst>
   <p:sldSz cx="12192000" cy="6858000"/>
   <p:notesSz cx="6858000" cy="9144000"/>
@@ -702,10 +703,9 @@
           </a:lstStyle>
           <a:p>
             <a:r>
-              <a:rPr lang="en-US"/>
+              <a:rPr lang="en-US" dirty="0"/>
               <a:t>Click icon to add picture</a:t>
             </a:r>
-            <a:endParaRPr lang="en-US" dirty="0"/>
           </a:p>
         </p:txBody>
       </p:sp>
@@ -4939,10 +4939,9 @@
           </a:lstStyle>
           <a:p>
             <a:r>
-              <a:rPr lang="en-US"/>
+              <a:rPr lang="en-US" dirty="0"/>
               <a:t>Click icon to add picture</a:t>
             </a:r>
-            <a:endParaRPr lang="en-US" dirty="0"/>
           </a:p>
         </p:txBody>
       </p:sp>
@@ -5981,13 +5980,8 @@
           <a:p>
             <a:r>
               <a:rPr lang="en-US" dirty="0"/>
-              <a:t>By Sylvia Yvonne </a:t>
-            </a:r>
-            <a:r>
-              <a:rPr lang="en-US" dirty="0" err="1"/>
-              <a:t>Onserio</a:t>
-            </a:r>
-            <a:endParaRPr lang="en-US" dirty="0"/>
+              <a:t>By Sylvia Yvonne Onserio</a:t>
+            </a:r>
           </a:p>
           <a:p>
             <a:r>
@@ -6038,6 +6032,122 @@
           <p:cNvPr id="2" name="Title 1">
             <a:extLst>
               <a:ext uri="{FF2B5EF4-FFF2-40B4-BE49-F238E27FC236}">
+                <a16:creationId xmlns:a16="http://schemas.microsoft.com/office/drawing/2014/main" id="{66AC41BA-88B0-43FE-AAD9-9638E0F3EC51}"/>
+              </a:ext>
+            </a:extLst>
+          </p:cNvPr>
+          <p:cNvSpPr>
+            <a:spLocks noGrp="1"/>
+          </p:cNvSpPr>
+          <p:nvPr>
+            <p:ph type="title"/>
+          </p:nvPr>
+        </p:nvSpPr>
+        <p:spPr/>
+        <p:txBody>
+          <a:bodyPr/>
+          <a:lstStyle/>
+          <a:p>
+            <a:r>
+              <a:rPr lang="en-US" dirty="0"/>
+              <a:t>Design</a:t>
+            </a:r>
+          </a:p>
+        </p:txBody>
+      </p:sp>
+      <p:sp>
+        <p:nvSpPr>
+          <p:cNvPr id="3" name="Content Placeholder 2">
+            <a:extLst>
+              <a:ext uri="{FF2B5EF4-FFF2-40B4-BE49-F238E27FC236}">
+                <a16:creationId xmlns:a16="http://schemas.microsoft.com/office/drawing/2014/main" id="{DC971D44-1C92-48C7-B56C-5E50160F2BB7}"/>
+              </a:ext>
+            </a:extLst>
+          </p:cNvPr>
+          <p:cNvSpPr>
+            <a:spLocks noGrp="1"/>
+          </p:cNvSpPr>
+          <p:nvPr>
+            <p:ph idx="1"/>
+          </p:nvPr>
+        </p:nvSpPr>
+        <p:spPr/>
+        <p:txBody>
+          <a:bodyPr/>
+          <a:lstStyle/>
+          <a:p>
+            <a:r>
+              <a:rPr lang="en-US" dirty="0"/>
+              <a:t>Context Diagram</a:t>
+            </a:r>
+          </a:p>
+        </p:txBody>
+      </p:sp>
+      <p:pic>
+        <p:nvPicPr>
+          <p:cNvPr id="4" name="Picture 3">
+            <a:extLst>
+              <a:ext uri="{FF2B5EF4-FFF2-40B4-BE49-F238E27FC236}">
+                <a16:creationId xmlns:a16="http://schemas.microsoft.com/office/drawing/2014/main" id="{1853C575-07AB-46A2-A8E8-3F1385FA1C47}"/>
+              </a:ext>
+            </a:extLst>
+          </p:cNvPr>
+          <p:cNvPicPr>
+            <a:picLocks noChangeAspect="1"/>
+          </p:cNvPicPr>
+          <p:nvPr/>
+        </p:nvPicPr>
+        <p:blipFill>
+          <a:blip r:embed="rId2"/>
+          <a:stretch>
+            <a:fillRect/>
+          </a:stretch>
+        </p:blipFill>
+        <p:spPr>
+          <a:xfrm>
+            <a:off x="4301514" y="2833944"/>
+            <a:ext cx="3923116" cy="3041924"/>
+          </a:xfrm>
+          <a:prstGeom prst="rect">
+            <a:avLst/>
+          </a:prstGeom>
+        </p:spPr>
+      </p:pic>
+    </p:spTree>
+    <p:extLst>
+      <p:ext uri="{BB962C8B-B14F-4D97-AF65-F5344CB8AC3E}">
+        <p14:creationId xmlns:p14="http://schemas.microsoft.com/office/powerpoint/2010/main" val="1889045406"/>
+      </p:ext>
+    </p:extLst>
+  </p:cSld>
+  <p:clrMapOvr>
+    <a:masterClrMapping/>
+  </p:clrMapOvr>
+</p:sld>
+</file>
+
+<file path=ppt/slides/slide11.xml><?xml version="1.0" encoding="utf-8"?>
+<p:sld xmlns:a="http://schemas.openxmlformats.org/drawingml/2006/main" xmlns:r="http://schemas.openxmlformats.org/officeDocument/2006/relationships" xmlns:p="http://schemas.openxmlformats.org/presentationml/2006/main">
+  <p:cSld>
+    <p:spTree>
+      <p:nvGrpSpPr>
+        <p:cNvPr id="1" name=""/>
+        <p:cNvGrpSpPr/>
+        <p:nvPr/>
+      </p:nvGrpSpPr>
+      <p:grpSpPr>
+        <a:xfrm>
+          <a:off x="0" y="0"/>
+          <a:ext cx="0" cy="0"/>
+          <a:chOff x="0" y="0"/>
+          <a:chExt cx="0" cy="0"/>
+        </a:xfrm>
+      </p:grpSpPr>
+      <p:sp>
+        <p:nvSpPr>
+          <p:cNvPr id="2" name="Title 1">
+            <a:extLst>
+              <a:ext uri="{FF2B5EF4-FFF2-40B4-BE49-F238E27FC236}">
                 <a16:creationId xmlns:a16="http://schemas.microsoft.com/office/drawing/2014/main" id="{6B4A3933-F958-47AC-9EB0-46D6D58F617E}"/>
               </a:ext>
             </a:extLst>
@@ -6056,15 +6166,7 @@
           <a:p>
             <a:r>
               <a:rPr lang="en-US" dirty="0"/>
-              <a:t>Design(</a:t>
-            </a:r>
-            <a:r>
-              <a:rPr lang="en-US" dirty="0" err="1"/>
-              <a:t>cont</a:t>
-            </a:r>
-            <a:r>
-              <a:rPr lang="en-US" dirty="0"/>
-              <a:t>…)</a:t>
+              <a:t>Design(cont…)</a:t>
             </a:r>
           </a:p>
         </p:txBody>
@@ -6140,7 +6242,7 @@
 </p:sld>
 </file>
 
-<file path=ppt/slides/slide11.xml><?xml version="1.0" encoding="utf-8"?>
+<file path=ppt/slides/slide12.xml><?xml version="1.0" encoding="utf-8"?>
 <p:sld xmlns:a="http://schemas.openxmlformats.org/drawingml/2006/main" xmlns:r="http://schemas.openxmlformats.org/officeDocument/2006/relationships" xmlns:p="http://schemas.openxmlformats.org/presentationml/2006/main">
   <p:cSld>
     <p:spTree>
@@ -6691,77 +6793,77 @@
                     <a:bodyPr/>
                     <a:lstStyle/>
                     <a:p>
-                      <a:endParaRPr lang="en-US" sz="1100"/>
-                    </a:p>
-                  </a:txBody>
-                  <a:tcPr/>
-                </a:tc>
-                <a:tc>
-                  <a:txBody>
-                    <a:bodyPr/>
-                    <a:lstStyle/>
-                    <a:p>
-                      <a:endParaRPr lang="en-US" sz="1100"/>
-                    </a:p>
-                  </a:txBody>
-                  <a:tcPr/>
-                </a:tc>
-                <a:tc>
-                  <a:txBody>
-                    <a:bodyPr/>
-                    <a:lstStyle/>
-                    <a:p>
-                      <a:endParaRPr lang="en-US" sz="1100"/>
-                    </a:p>
-                  </a:txBody>
-                  <a:tcPr/>
-                </a:tc>
-                <a:tc>
-                  <a:txBody>
-                    <a:bodyPr/>
-                    <a:lstStyle/>
-                    <a:p>
-                      <a:endParaRPr lang="en-US" sz="1100"/>
-                    </a:p>
-                  </a:txBody>
-                  <a:tcPr/>
-                </a:tc>
-                <a:tc>
-                  <a:txBody>
-                    <a:bodyPr/>
-                    <a:lstStyle/>
-                    <a:p>
-                      <a:endParaRPr lang="en-US" sz="1100"/>
-                    </a:p>
-                  </a:txBody>
-                  <a:tcPr/>
-                </a:tc>
-                <a:tc>
-                  <a:txBody>
-                    <a:bodyPr/>
-                    <a:lstStyle/>
-                    <a:p>
-                      <a:endParaRPr lang="en-US" sz="1100"/>
-                    </a:p>
-                  </a:txBody>
-                  <a:tcPr/>
-                </a:tc>
-                <a:tc>
-                  <a:txBody>
-                    <a:bodyPr/>
-                    <a:lstStyle/>
-                    <a:p>
-                      <a:endParaRPr lang="en-US" sz="1100"/>
-                    </a:p>
-                  </a:txBody>
-                  <a:tcPr/>
-                </a:tc>
-                <a:tc>
-                  <a:txBody>
-                    <a:bodyPr/>
-                    <a:lstStyle/>
-                    <a:p>
-                      <a:endParaRPr lang="en-US" sz="1100"/>
+                      <a:endParaRPr lang="en-US" sz="1100" dirty="0"/>
+                    </a:p>
+                  </a:txBody>
+                  <a:tcPr/>
+                </a:tc>
+                <a:tc>
+                  <a:txBody>
+                    <a:bodyPr/>
+                    <a:lstStyle/>
+                    <a:p>
+                      <a:endParaRPr lang="en-US" sz="1100" dirty="0"/>
+                    </a:p>
+                  </a:txBody>
+                  <a:tcPr/>
+                </a:tc>
+                <a:tc>
+                  <a:txBody>
+                    <a:bodyPr/>
+                    <a:lstStyle/>
+                    <a:p>
+                      <a:endParaRPr lang="en-US" sz="1100" dirty="0"/>
+                    </a:p>
+                  </a:txBody>
+                  <a:tcPr/>
+                </a:tc>
+                <a:tc>
+                  <a:txBody>
+                    <a:bodyPr/>
+                    <a:lstStyle/>
+                    <a:p>
+                      <a:endParaRPr lang="en-US" sz="1100" dirty="0"/>
+                    </a:p>
+                  </a:txBody>
+                  <a:tcPr/>
+                </a:tc>
+                <a:tc>
+                  <a:txBody>
+                    <a:bodyPr/>
+                    <a:lstStyle/>
+                    <a:p>
+                      <a:endParaRPr lang="en-US" sz="1100" dirty="0"/>
+                    </a:p>
+                  </a:txBody>
+                  <a:tcPr/>
+                </a:tc>
+                <a:tc>
+                  <a:txBody>
+                    <a:bodyPr/>
+                    <a:lstStyle/>
+                    <a:p>
+                      <a:endParaRPr lang="en-US" sz="1100" dirty="0"/>
+                    </a:p>
+                  </a:txBody>
+                  <a:tcPr/>
+                </a:tc>
+                <a:tc>
+                  <a:txBody>
+                    <a:bodyPr/>
+                    <a:lstStyle/>
+                    <a:p>
+                      <a:endParaRPr lang="en-US" sz="1100" dirty="0"/>
+                    </a:p>
+                  </a:txBody>
+                  <a:tcPr/>
+                </a:tc>
+                <a:tc>
+                  <a:txBody>
+                    <a:bodyPr/>
+                    <a:lstStyle/>
+                    <a:p>
+                      <a:endParaRPr lang="en-US" sz="1100" dirty="0"/>
                     </a:p>
                   </a:txBody>
                   <a:tcPr/>
@@ -6887,77 +6989,77 @@
                     <a:bodyPr/>
                     <a:lstStyle/>
                     <a:p>
-                      <a:endParaRPr lang="en-US" sz="1100"/>
-                    </a:p>
-                  </a:txBody>
-                  <a:tcPr/>
-                </a:tc>
-                <a:tc>
-                  <a:txBody>
-                    <a:bodyPr/>
-                    <a:lstStyle/>
-                    <a:p>
-                      <a:endParaRPr lang="en-US" sz="1100"/>
-                    </a:p>
-                  </a:txBody>
-                  <a:tcPr/>
-                </a:tc>
-                <a:tc>
-                  <a:txBody>
-                    <a:bodyPr/>
-                    <a:lstStyle/>
-                    <a:p>
-                      <a:endParaRPr lang="en-US" sz="1100"/>
-                    </a:p>
-                  </a:txBody>
-                  <a:tcPr/>
-                </a:tc>
-                <a:tc>
-                  <a:txBody>
-                    <a:bodyPr/>
-                    <a:lstStyle/>
-                    <a:p>
-                      <a:endParaRPr lang="en-US" sz="1100"/>
-                    </a:p>
-                  </a:txBody>
-                  <a:tcPr/>
-                </a:tc>
-                <a:tc>
-                  <a:txBody>
-                    <a:bodyPr/>
-                    <a:lstStyle/>
-                    <a:p>
-                      <a:endParaRPr lang="en-US" sz="1100"/>
-                    </a:p>
-                  </a:txBody>
-                  <a:tcPr/>
-                </a:tc>
-                <a:tc>
-                  <a:txBody>
-                    <a:bodyPr/>
-                    <a:lstStyle/>
-                    <a:p>
-                      <a:endParaRPr lang="en-US" sz="1100"/>
-                    </a:p>
-                  </a:txBody>
-                  <a:tcPr/>
-                </a:tc>
-                <a:tc>
-                  <a:txBody>
-                    <a:bodyPr/>
-                    <a:lstStyle/>
-                    <a:p>
-                      <a:endParaRPr lang="en-US" sz="1100"/>
-                    </a:p>
-                  </a:txBody>
-                  <a:tcPr/>
-                </a:tc>
-                <a:tc>
-                  <a:txBody>
-                    <a:bodyPr/>
-                    <a:lstStyle/>
-                    <a:p>
-                      <a:endParaRPr lang="en-US" sz="1100"/>
+                      <a:endParaRPr lang="en-US" sz="1100" dirty="0"/>
+                    </a:p>
+                  </a:txBody>
+                  <a:tcPr/>
+                </a:tc>
+                <a:tc>
+                  <a:txBody>
+                    <a:bodyPr/>
+                    <a:lstStyle/>
+                    <a:p>
+                      <a:endParaRPr lang="en-US" sz="1100" dirty="0"/>
+                    </a:p>
+                  </a:txBody>
+                  <a:tcPr/>
+                </a:tc>
+                <a:tc>
+                  <a:txBody>
+                    <a:bodyPr/>
+                    <a:lstStyle/>
+                    <a:p>
+                      <a:endParaRPr lang="en-US" sz="1100" dirty="0"/>
+                    </a:p>
+                  </a:txBody>
+                  <a:tcPr/>
+                </a:tc>
+                <a:tc>
+                  <a:txBody>
+                    <a:bodyPr/>
+                    <a:lstStyle/>
+                    <a:p>
+                      <a:endParaRPr lang="en-US" sz="1100" dirty="0"/>
+                    </a:p>
+                  </a:txBody>
+                  <a:tcPr/>
+                </a:tc>
+                <a:tc>
+                  <a:txBody>
+                    <a:bodyPr/>
+                    <a:lstStyle/>
+                    <a:p>
+                      <a:endParaRPr lang="en-US" sz="1100" dirty="0"/>
+                    </a:p>
+                  </a:txBody>
+                  <a:tcPr/>
+                </a:tc>
+                <a:tc>
+                  <a:txBody>
+                    <a:bodyPr/>
+                    <a:lstStyle/>
+                    <a:p>
+                      <a:endParaRPr lang="en-US" sz="1100" dirty="0"/>
+                    </a:p>
+                  </a:txBody>
+                  <a:tcPr/>
+                </a:tc>
+                <a:tc>
+                  <a:txBody>
+                    <a:bodyPr/>
+                    <a:lstStyle/>
+                    <a:p>
+                      <a:endParaRPr lang="en-US" sz="1100" dirty="0"/>
+                    </a:p>
+                  </a:txBody>
+                  <a:tcPr/>
+                </a:tc>
+                <a:tc>
+                  <a:txBody>
+                    <a:bodyPr/>
+                    <a:lstStyle/>
+                    <a:p>
+                      <a:endParaRPr lang="en-US" sz="1100" dirty="0"/>
                     </a:p>
                   </a:txBody>
                   <a:tcPr/>
@@ -7097,67 +7199,67 @@
                     <a:bodyPr/>
                     <a:lstStyle/>
                     <a:p>
-                      <a:endParaRPr lang="en-US" sz="1100"/>
-                    </a:p>
-                  </a:txBody>
-                  <a:tcPr/>
-                </a:tc>
-                <a:tc>
-                  <a:txBody>
-                    <a:bodyPr/>
-                    <a:lstStyle/>
-                    <a:p>
-                      <a:endParaRPr lang="en-US" sz="1100"/>
-                    </a:p>
-                  </a:txBody>
-                  <a:tcPr/>
-                </a:tc>
-                <a:tc>
-                  <a:txBody>
-                    <a:bodyPr/>
-                    <a:lstStyle/>
-                    <a:p>
-                      <a:endParaRPr lang="en-US" sz="1100"/>
-                    </a:p>
-                  </a:txBody>
-                  <a:tcPr/>
-                </a:tc>
-                <a:tc>
-                  <a:txBody>
-                    <a:bodyPr/>
-                    <a:lstStyle/>
-                    <a:p>
-                      <a:endParaRPr lang="en-US" sz="1100"/>
-                    </a:p>
-                  </a:txBody>
-                  <a:tcPr/>
-                </a:tc>
-                <a:tc>
-                  <a:txBody>
-                    <a:bodyPr/>
-                    <a:lstStyle/>
-                    <a:p>
-                      <a:endParaRPr lang="en-US" sz="1100"/>
-                    </a:p>
-                  </a:txBody>
-                  <a:tcPr/>
-                </a:tc>
-                <a:tc>
-                  <a:txBody>
-                    <a:bodyPr/>
-                    <a:lstStyle/>
-                    <a:p>
-                      <a:endParaRPr lang="en-US" sz="1100"/>
-                    </a:p>
-                  </a:txBody>
-                  <a:tcPr/>
-                </a:tc>
-                <a:tc>
-                  <a:txBody>
-                    <a:bodyPr/>
-                    <a:lstStyle/>
-                    <a:p>
-                      <a:endParaRPr lang="en-US" sz="1100"/>
+                      <a:endParaRPr lang="en-US" sz="1100" dirty="0"/>
+                    </a:p>
+                  </a:txBody>
+                  <a:tcPr/>
+                </a:tc>
+                <a:tc>
+                  <a:txBody>
+                    <a:bodyPr/>
+                    <a:lstStyle/>
+                    <a:p>
+                      <a:endParaRPr lang="en-US" sz="1100" dirty="0"/>
+                    </a:p>
+                  </a:txBody>
+                  <a:tcPr/>
+                </a:tc>
+                <a:tc>
+                  <a:txBody>
+                    <a:bodyPr/>
+                    <a:lstStyle/>
+                    <a:p>
+                      <a:endParaRPr lang="en-US" sz="1100" dirty="0"/>
+                    </a:p>
+                  </a:txBody>
+                  <a:tcPr/>
+                </a:tc>
+                <a:tc>
+                  <a:txBody>
+                    <a:bodyPr/>
+                    <a:lstStyle/>
+                    <a:p>
+                      <a:endParaRPr lang="en-US" sz="1100" dirty="0"/>
+                    </a:p>
+                  </a:txBody>
+                  <a:tcPr/>
+                </a:tc>
+                <a:tc>
+                  <a:txBody>
+                    <a:bodyPr/>
+                    <a:lstStyle/>
+                    <a:p>
+                      <a:endParaRPr lang="en-US" sz="1100" dirty="0"/>
+                    </a:p>
+                  </a:txBody>
+                  <a:tcPr/>
+                </a:tc>
+                <a:tc>
+                  <a:txBody>
+                    <a:bodyPr/>
+                    <a:lstStyle/>
+                    <a:p>
+                      <a:endParaRPr lang="en-US" sz="1100" dirty="0"/>
+                    </a:p>
+                  </a:txBody>
+                  <a:tcPr/>
+                </a:tc>
+                <a:tc>
+                  <a:txBody>
+                    <a:bodyPr/>
+                    <a:lstStyle/>
+                    <a:p>
+                      <a:endParaRPr lang="en-US" sz="1100" dirty="0"/>
                     </a:p>
                   </a:txBody>
                   <a:tcPr/>
@@ -7377,7 +7479,7 @@
                     <a:bodyPr/>
                     <a:lstStyle/>
                     <a:p>
-                      <a:endParaRPr lang="en-US" sz="1100"/>
+                      <a:endParaRPr lang="en-US" sz="1100" dirty="0"/>
                     </a:p>
                   </a:txBody>
                   <a:tcPr/>
@@ -7499,57 +7601,57 @@
                     <a:bodyPr/>
                     <a:lstStyle/>
                     <a:p>
-                      <a:endParaRPr lang="en-US" sz="1100"/>
-                    </a:p>
-                  </a:txBody>
-                  <a:tcPr/>
-                </a:tc>
-                <a:tc>
-                  <a:txBody>
-                    <a:bodyPr/>
-                    <a:lstStyle/>
-                    <a:p>
-                      <a:endParaRPr lang="en-US" sz="1100"/>
-                    </a:p>
-                  </a:txBody>
-                  <a:tcPr/>
-                </a:tc>
-                <a:tc>
-                  <a:txBody>
-                    <a:bodyPr/>
-                    <a:lstStyle/>
-                    <a:p>
-                      <a:endParaRPr lang="en-US" sz="1100"/>
-                    </a:p>
-                  </a:txBody>
-                  <a:tcPr/>
-                </a:tc>
-                <a:tc>
-                  <a:txBody>
-                    <a:bodyPr/>
-                    <a:lstStyle/>
-                    <a:p>
-                      <a:endParaRPr lang="en-US" sz="1100"/>
-                    </a:p>
-                  </a:txBody>
-                  <a:tcPr/>
-                </a:tc>
-                <a:tc>
-                  <a:txBody>
-                    <a:bodyPr/>
-                    <a:lstStyle/>
-                    <a:p>
-                      <a:endParaRPr lang="en-US" sz="1100"/>
-                    </a:p>
-                  </a:txBody>
-                  <a:tcPr/>
-                </a:tc>
-                <a:tc>
-                  <a:txBody>
-                    <a:bodyPr/>
-                    <a:lstStyle/>
-                    <a:p>
-                      <a:endParaRPr lang="en-US" sz="1100"/>
+                      <a:endParaRPr lang="en-US" sz="1100" dirty="0"/>
+                    </a:p>
+                  </a:txBody>
+                  <a:tcPr/>
+                </a:tc>
+                <a:tc>
+                  <a:txBody>
+                    <a:bodyPr/>
+                    <a:lstStyle/>
+                    <a:p>
+                      <a:endParaRPr lang="en-US" sz="1100" dirty="0"/>
+                    </a:p>
+                  </a:txBody>
+                  <a:tcPr/>
+                </a:tc>
+                <a:tc>
+                  <a:txBody>
+                    <a:bodyPr/>
+                    <a:lstStyle/>
+                    <a:p>
+                      <a:endParaRPr lang="en-US" sz="1100" dirty="0"/>
+                    </a:p>
+                  </a:txBody>
+                  <a:tcPr/>
+                </a:tc>
+                <a:tc>
+                  <a:txBody>
+                    <a:bodyPr/>
+                    <a:lstStyle/>
+                    <a:p>
+                      <a:endParaRPr lang="en-US" sz="1100" dirty="0"/>
+                    </a:p>
+                  </a:txBody>
+                  <a:tcPr/>
+                </a:tc>
+                <a:tc>
+                  <a:txBody>
+                    <a:bodyPr/>
+                    <a:lstStyle/>
+                    <a:p>
+                      <a:endParaRPr lang="en-US" sz="1100" dirty="0"/>
+                    </a:p>
+                  </a:txBody>
+                  <a:tcPr/>
+                </a:tc>
+                <a:tc>
+                  <a:txBody>
+                    <a:bodyPr/>
+                    <a:lstStyle/>
+                    <a:p>
+                      <a:endParaRPr lang="en-US" sz="1100" dirty="0"/>
                     </a:p>
                   </a:txBody>
                   <a:tcPr/>
@@ -7699,57 +7801,57 @@
                     <a:bodyPr/>
                     <a:lstStyle/>
                     <a:p>
-                      <a:endParaRPr lang="en-US" sz="1100"/>
-                    </a:p>
-                  </a:txBody>
-                  <a:tcPr/>
-                </a:tc>
-                <a:tc>
-                  <a:txBody>
-                    <a:bodyPr/>
-                    <a:lstStyle/>
-                    <a:p>
-                      <a:endParaRPr lang="en-US" sz="1100"/>
-                    </a:p>
-                  </a:txBody>
-                  <a:tcPr/>
-                </a:tc>
-                <a:tc>
-                  <a:txBody>
-                    <a:bodyPr/>
-                    <a:lstStyle/>
-                    <a:p>
-                      <a:endParaRPr lang="en-US" sz="1100"/>
-                    </a:p>
-                  </a:txBody>
-                  <a:tcPr/>
-                </a:tc>
-                <a:tc>
-                  <a:txBody>
-                    <a:bodyPr/>
-                    <a:lstStyle/>
-                    <a:p>
-                      <a:endParaRPr lang="en-US" sz="1100"/>
-                    </a:p>
-                  </a:txBody>
-                  <a:tcPr/>
-                </a:tc>
-                <a:tc>
-                  <a:txBody>
-                    <a:bodyPr/>
-                    <a:lstStyle/>
-                    <a:p>
-                      <a:endParaRPr lang="en-US" sz="1100"/>
-                    </a:p>
-                  </a:txBody>
-                  <a:tcPr/>
-                </a:tc>
-                <a:tc>
-                  <a:txBody>
-                    <a:bodyPr/>
-                    <a:lstStyle/>
-                    <a:p>
-                      <a:endParaRPr lang="en-US" sz="1100"/>
+                      <a:endParaRPr lang="en-US" sz="1100" dirty="0"/>
+                    </a:p>
+                  </a:txBody>
+                  <a:tcPr/>
+                </a:tc>
+                <a:tc>
+                  <a:txBody>
+                    <a:bodyPr/>
+                    <a:lstStyle/>
+                    <a:p>
+                      <a:endParaRPr lang="en-US" sz="1100" dirty="0"/>
+                    </a:p>
+                  </a:txBody>
+                  <a:tcPr/>
+                </a:tc>
+                <a:tc>
+                  <a:txBody>
+                    <a:bodyPr/>
+                    <a:lstStyle/>
+                    <a:p>
+                      <a:endParaRPr lang="en-US" sz="1100" dirty="0"/>
+                    </a:p>
+                  </a:txBody>
+                  <a:tcPr/>
+                </a:tc>
+                <a:tc>
+                  <a:txBody>
+                    <a:bodyPr/>
+                    <a:lstStyle/>
+                    <a:p>
+                      <a:endParaRPr lang="en-US" sz="1100" dirty="0"/>
+                    </a:p>
+                  </a:txBody>
+                  <a:tcPr/>
+                </a:tc>
+                <a:tc>
+                  <a:txBody>
+                    <a:bodyPr/>
+                    <a:lstStyle/>
+                    <a:p>
+                      <a:endParaRPr lang="en-US" sz="1100" dirty="0"/>
+                    </a:p>
+                  </a:txBody>
+                  <a:tcPr/>
+                </a:tc>
+                <a:tc>
+                  <a:txBody>
+                    <a:bodyPr/>
+                    <a:lstStyle/>
+                    <a:p>
+                      <a:endParaRPr lang="en-US" sz="1100" dirty="0"/>
                     </a:p>
                   </a:txBody>
                   <a:tcPr/>
@@ -8037,7 +8139,7 @@
 </p:sld>
 </file>
 
-<file path=ppt/slides/slide12.xml><?xml version="1.0" encoding="utf-8"?>
+<file path=ppt/slides/slide13.xml><?xml version="1.0" encoding="utf-8"?>
 <p:sld xmlns:a="http://schemas.openxmlformats.org/drawingml/2006/main" xmlns:r="http://schemas.openxmlformats.org/officeDocument/2006/relationships" xmlns:p="http://schemas.openxmlformats.org/presentationml/2006/main">
   <p:cSld>
     <p:spTree>
@@ -8105,15 +8207,7 @@
           <a:p>
             <a:r>
               <a:rPr lang="en-US" dirty="0"/>
-              <a:t>This project will at the end contribute towards enhancing shopper experience while shopping online for clothes with ease and from a wide domains </a:t>
-            </a:r>
-            <a:r>
-              <a:rPr lang="en-US" dirty="0" err="1"/>
-              <a:t>aof</a:t>
-            </a:r>
-            <a:r>
-              <a:rPr lang="en-US" dirty="0"/>
-              <a:t> designers from all over the country.</a:t>
+              <a:t>This project will at the end contribute towards enhancing shopper experience while shopping online for clothes with ease and from a wide network of designers from all over the country.</a:t>
             </a:r>
           </a:p>
           <a:p>
@@ -8141,7 +8235,7 @@
 </p:sld>
 </file>
 
-<file path=ppt/slides/slide13.xml><?xml version="1.0" encoding="utf-8"?>
+<file path=ppt/slides/slide14.xml><?xml version="1.0" encoding="utf-8"?>
 <p:sld xmlns:a="http://schemas.openxmlformats.org/drawingml/2006/main" xmlns:r="http://schemas.openxmlformats.org/officeDocument/2006/relationships" xmlns:p="http://schemas.openxmlformats.org/presentationml/2006/main">
   <p:cSld>
     <p:spTree>
@@ -8332,18 +8426,22 @@
             </a:r>
           </a:p>
           <a:p>
-            <a:endParaRPr lang="en-US" dirty="0"/>
-          </a:p>
-          <a:p>
             <a:r>
               <a:rPr lang="en-US" dirty="0"/>
-              <a:t>Online stores have revolutionized the way shoppers </a:t>
-            </a:r>
-            <a:r>
-              <a:rPr lang="en-US"/>
-              <a:t>make purchases</a:t>
-            </a:r>
-            <a:endParaRPr lang="en-US" dirty="0"/>
+              <a:t>People were in the past constrained to going to the shops and markets to make a purchase, a tedious and time consuming process.</a:t>
+            </a:r>
+          </a:p>
+          <a:p>
+            <a:r>
+              <a:rPr lang="en-US" dirty="0"/>
+              <a:t>Online stores have revolutionized the way shoppers make purchases enabling people to carry out shopping at the comfort of their homes.</a:t>
+            </a:r>
+          </a:p>
+          <a:p>
+            <a:r>
+              <a:rPr lang="en-US" dirty="0"/>
+              <a:t>The stores therefore have a list of chosen designers and transporters who handles the cloth production and shipping services respectively.</a:t>
+            </a:r>
           </a:p>
         </p:txBody>
       </p:sp>
@@ -8424,41 +8522,32 @@
         <p:spPr/>
         <p:txBody>
           <a:bodyPr>
-            <a:normAutofit fontScale="85000" lnSpcReduction="20000"/>
+            <a:normAutofit fontScale="92500" lnSpcReduction="10000"/>
           </a:bodyPr>
           <a:lstStyle/>
           <a:p>
             <a:r>
               <a:rPr lang="en-US" dirty="0"/>
-              <a:t>Shopping for clothes is a process that takes a lot of time and also cost in terms of travelling to the market and making the purchases.</a:t>
+              <a:t>Despite online cloth shopping stores being quite essential in giving the best shopping experience there's still a lot of gaps that is left unattended to.</a:t>
             </a:r>
           </a:p>
           <a:p>
             <a:r>
               <a:rPr lang="en-US" dirty="0"/>
-              <a:t>This traditional set up leaves the shopper only exposed to clothing from shopping stores within their own locality.</a:t>
+              <a:t>The stores lack variety due to only relying on a fixed number of designers for their cloth merchandise, locking out the rest of the talented designers and limiting them only to the shoppers in their locality.</a:t>
             </a:r>
           </a:p>
           <a:p>
             <a:r>
               <a:rPr lang="en-US" dirty="0"/>
-              <a:t>Time also being a constraint will mean that the shopper will not be able to make purchases within the desired period due to tight schedules.</a:t>
+              <a:t>There is lack of personal touch and originality in the clothed due relaxed competition in the online market hence forcing the shopper to settle for only standard quality clothing.</a:t>
             </a:r>
           </a:p>
           <a:p>
             <a:r>
               <a:rPr lang="en-US" dirty="0"/>
-              <a:t>The clothing designers also don’t get to interact with a wider customer base hence their sales and market potential is also limited.</a:t>
-            </a:r>
-          </a:p>
-          <a:p>
-            <a:r>
-              <a:rPr lang="en-US" dirty="0"/>
-              <a:t>A system is therefore required that will enable both designers and shoppers to overcome this limitations.</a:t>
-            </a:r>
-          </a:p>
-          <a:p>
-            <a:endParaRPr lang="en-US" dirty="0"/>
+              <a:t>The shipping services are also under-used</a:t>
+            </a:r>
           </a:p>
         </p:txBody>
       </p:sp>
@@ -8497,7 +8586,7 @@
           <p:cNvPr id="2" name="Title 1">
             <a:extLst>
               <a:ext uri="{FF2B5EF4-FFF2-40B4-BE49-F238E27FC236}">
-                <a16:creationId xmlns:a16="http://schemas.microsoft.com/office/drawing/2014/main" id="{4A67BDCF-02D7-4D6B-B381-3E6B1058B15A}"/>
+                <a16:creationId xmlns:a16="http://schemas.microsoft.com/office/drawing/2014/main" id="{BA837FB4-EF52-4537-A302-7BB138409F4E}"/>
               </a:ext>
             </a:extLst>
           </p:cNvPr>
@@ -8514,12 +8603,8 @@
           <a:lstStyle/>
           <a:p>
             <a:r>
-              <a:rPr lang="en-US" dirty="0" err="1"/>
-              <a:t>Reasearch</a:t>
-            </a:r>
-            <a:r>
               <a:rPr lang="en-US" dirty="0"/>
-              <a:t> Objectives</a:t>
+              <a:t>Proposed Solution</a:t>
             </a:r>
           </a:p>
         </p:txBody>
@@ -8529,7 +8614,7 @@
           <p:cNvPr id="3" name="Content Placeholder 2">
             <a:extLst>
               <a:ext uri="{FF2B5EF4-FFF2-40B4-BE49-F238E27FC236}">
-                <a16:creationId xmlns:a16="http://schemas.microsoft.com/office/drawing/2014/main" id="{4178D50E-805F-4C09-A44C-08D4117CCD2D}"/>
+                <a16:creationId xmlns:a16="http://schemas.microsoft.com/office/drawing/2014/main" id="{F66AB726-D343-406E-8360-4761210F7DF8}"/>
               </a:ext>
             </a:extLst>
           </p:cNvPr>
@@ -8547,57 +8632,19 @@
           <a:p>
             <a:r>
               <a:rPr lang="en-US" dirty="0"/>
-              <a:t>A research on current online stores was carried out with an aim of finding out the following:</a:t>
-            </a:r>
-          </a:p>
-          <a:p>
-            <a:pPr marL="971550" lvl="1" indent="-514350">
-              <a:buFont typeface="+mj-lt"/>
-              <a:buAutoNum type="romanLcPeriod"/>
-            </a:pPr>
+              <a:t>Providing a platform that any designer can easily sign up and sell their produce to a wider market without restrictions.</a:t>
+            </a:r>
+          </a:p>
+          <a:p>
             <a:r>
               <a:rPr lang="en-US" dirty="0"/>
-              <a:t>How the current online stores work </a:t>
-            </a:r>
-          </a:p>
-          <a:p>
-            <a:pPr marL="971550" lvl="1" indent="-514350">
-              <a:buFont typeface="+mj-lt"/>
-              <a:buAutoNum type="romanLcPeriod"/>
-            </a:pPr>
+              <a:t>The system should also enable transporters to carry offer out shipping services at a cost.</a:t>
+            </a:r>
+          </a:p>
+          <a:p>
             <a:r>
               <a:rPr lang="en-US" dirty="0"/>
-              <a:t>What is the business model that are used</a:t>
-            </a:r>
-          </a:p>
-          <a:p>
-            <a:pPr marL="971550" lvl="1" indent="-514350">
-              <a:buFont typeface="+mj-lt"/>
-              <a:buAutoNum type="romanLcPeriod"/>
-            </a:pPr>
-            <a:r>
-              <a:rPr lang="en-US" dirty="0"/>
-              <a:t>Who are the contributing parties that make online shopping</a:t>
-            </a:r>
-          </a:p>
-          <a:p>
-            <a:pPr marL="971550" lvl="1" indent="-514350">
-              <a:buFont typeface="+mj-lt"/>
-              <a:buAutoNum type="romanLcPeriod"/>
-            </a:pPr>
-            <a:r>
-              <a:rPr lang="en-US" dirty="0"/>
-              <a:t>What are the major is weaknesses that exist</a:t>
-            </a:r>
-          </a:p>
-          <a:p>
-            <a:pPr marL="971550" lvl="1" indent="-514350">
-              <a:buFont typeface="+mj-lt"/>
-              <a:buAutoNum type="romanLcPeriod"/>
-            </a:pPr>
-            <a:r>
-              <a:rPr lang="en-US" dirty="0"/>
-              <a:t>How can the systems can be made more efficient to improve customer experience.</a:t>
+              <a:t>Enable the shoppers to get access to a wider list of designers hence getting more variety of the product hence ensuring high quality of clothes of purchased and therefore better customer satisfaction.</a:t>
             </a:r>
           </a:p>
         </p:txBody>
@@ -8605,7 +8652,7 @@
     </p:spTree>
     <p:extLst>
       <p:ext uri="{BB962C8B-B14F-4D97-AF65-F5344CB8AC3E}">
-        <p14:creationId xmlns:p14="http://schemas.microsoft.com/office/powerpoint/2010/main" val="1689676433"/>
+        <p14:creationId xmlns:p14="http://schemas.microsoft.com/office/powerpoint/2010/main" val="1163329029"/>
       </p:ext>
     </p:extLst>
   </p:cSld>
@@ -8637,7 +8684,7 @@
           <p:cNvPr id="2" name="Title 1">
             <a:extLst>
               <a:ext uri="{FF2B5EF4-FFF2-40B4-BE49-F238E27FC236}">
-                <a16:creationId xmlns:a16="http://schemas.microsoft.com/office/drawing/2014/main" id="{11D67504-E47F-4041-8AB8-B55C1DEDEAA7}"/>
+                <a16:creationId xmlns:a16="http://schemas.microsoft.com/office/drawing/2014/main" id="{4A67BDCF-02D7-4D6B-B381-3E6B1058B15A}"/>
               </a:ext>
             </a:extLst>
           </p:cNvPr>
@@ -8655,7 +8702,7 @@
           <a:p>
             <a:r>
               <a:rPr lang="en-US" dirty="0"/>
-              <a:t>Research Questions</a:t>
+              <a:t>Research Objectives</a:t>
             </a:r>
           </a:p>
         </p:txBody>
@@ -8665,7 +8712,7 @@
           <p:cNvPr id="3" name="Content Placeholder 2">
             <a:extLst>
               <a:ext uri="{FF2B5EF4-FFF2-40B4-BE49-F238E27FC236}">
-                <a16:creationId xmlns:a16="http://schemas.microsoft.com/office/drawing/2014/main" id="{4991EA43-AD60-4573-A07D-EC36C1EF7E6D}"/>
+                <a16:creationId xmlns:a16="http://schemas.microsoft.com/office/drawing/2014/main" id="{4178D50E-805F-4C09-A44C-08D4117CCD2D}"/>
               </a:ext>
             </a:extLst>
           </p:cNvPr>
@@ -8678,14 +8725,12 @@
         </p:nvSpPr>
         <p:spPr/>
         <p:txBody>
-          <a:bodyPr>
-            <a:normAutofit fontScale="92500"/>
-          </a:bodyPr>
+          <a:bodyPr/>
           <a:lstStyle/>
           <a:p>
             <a:r>
               <a:rPr lang="en-US" dirty="0"/>
-              <a:t>The research on online and traditional shopping stores was carried out with the following stores in mind:</a:t>
+              <a:t>A research on current online stores was carried out with an aim of finding out the following:</a:t>
             </a:r>
           </a:p>
           <a:p>
@@ -8695,7 +8740,7 @@
             </a:pPr>
             <a:r>
               <a:rPr lang="en-US" dirty="0"/>
-              <a:t>How does online shopping work in general stores.</a:t>
+              <a:t>How the current online stores work </a:t>
             </a:r>
           </a:p>
           <a:p>
@@ -8705,7 +8750,7 @@
             </a:pPr>
             <a:r>
               <a:rPr lang="en-US" dirty="0"/>
-              <a:t>What are the various business models that are placed in the working of the online stores.</a:t>
+              <a:t>What is the business model that are used</a:t>
             </a:r>
           </a:p>
           <a:p>
@@ -8715,7 +8760,7 @@
             </a:pPr>
             <a:r>
               <a:rPr lang="en-US" dirty="0"/>
-              <a:t>Who are the specific group of individuals that make up the structure of the online shopping stores.</a:t>
+              <a:t>Who are the contributing parties that make online shopping</a:t>
             </a:r>
           </a:p>
           <a:p>
@@ -8725,7 +8770,7 @@
             </a:pPr>
             <a:r>
               <a:rPr lang="en-US" dirty="0"/>
-              <a:t>What are the major issues facing the current list of stores and how they can be addressed.</a:t>
+              <a:t>What are the major is weaknesses that exist</a:t>
             </a:r>
           </a:p>
           <a:p>
@@ -8735,7 +8780,7 @@
             </a:pPr>
             <a:r>
               <a:rPr lang="en-US" dirty="0"/>
-              <a:t>How can the shopping experience be enhanced and by what additional feature.</a:t>
+              <a:t>How can the systems can be made more efficient to improve customer experience.</a:t>
             </a:r>
           </a:p>
         </p:txBody>
@@ -8743,7 +8788,7 @@
     </p:spTree>
     <p:extLst>
       <p:ext uri="{BB962C8B-B14F-4D97-AF65-F5344CB8AC3E}">
-        <p14:creationId xmlns:p14="http://schemas.microsoft.com/office/powerpoint/2010/main" val="1554376778"/>
+        <p14:creationId xmlns:p14="http://schemas.microsoft.com/office/powerpoint/2010/main" val="1689676433"/>
       </p:ext>
     </p:extLst>
   </p:cSld>
@@ -8775,7 +8820,7 @@
           <p:cNvPr id="2" name="Title 1">
             <a:extLst>
               <a:ext uri="{FF2B5EF4-FFF2-40B4-BE49-F238E27FC236}">
-                <a16:creationId xmlns:a16="http://schemas.microsoft.com/office/drawing/2014/main" id="{5A261835-FE09-41A6-AA66-9BB4FC7FC42E}"/>
+                <a16:creationId xmlns:a16="http://schemas.microsoft.com/office/drawing/2014/main" id="{11D67504-E47F-4041-8AB8-B55C1DEDEAA7}"/>
               </a:ext>
             </a:extLst>
           </p:cNvPr>
@@ -8793,7 +8838,7 @@
           <a:p>
             <a:r>
               <a:rPr lang="en-US" dirty="0"/>
-              <a:t>Literature Review</a:t>
+              <a:t>Research Questions</a:t>
             </a:r>
           </a:p>
         </p:txBody>
@@ -8803,7 +8848,7 @@
           <p:cNvPr id="3" name="Content Placeholder 2">
             <a:extLst>
               <a:ext uri="{FF2B5EF4-FFF2-40B4-BE49-F238E27FC236}">
-                <a16:creationId xmlns:a16="http://schemas.microsoft.com/office/drawing/2014/main" id="{5D61A4D3-B77E-402F-B460-9BC5E1BA2A35}"/>
+                <a16:creationId xmlns:a16="http://schemas.microsoft.com/office/drawing/2014/main" id="{4991EA43-AD60-4573-A07D-EC36C1EF7E6D}"/>
               </a:ext>
             </a:extLst>
           </p:cNvPr>
@@ -8817,63 +8862,63 @@
         <p:spPr/>
         <p:txBody>
           <a:bodyPr>
-            <a:normAutofit fontScale="92500" lnSpcReduction="10000"/>
+            <a:normAutofit fontScale="92500"/>
           </a:bodyPr>
           <a:lstStyle/>
           <a:p>
             <a:r>
               <a:rPr lang="en-US" dirty="0"/>
-              <a:t>During my research I was able to come up with detailed information on how the online stores worked and their business models that they. </a:t>
-            </a:r>
-          </a:p>
-          <a:p>
-            <a:r>
-              <a:rPr lang="en-US" dirty="0"/>
-              <a:t>The information on the online shopping stores also enabled the </a:t>
-            </a:r>
-            <a:r>
-              <a:rPr lang="en-US" dirty="0" err="1"/>
-              <a:t>determing</a:t>
-            </a:r>
-            <a:r>
-              <a:rPr lang="en-US" dirty="0"/>
-              <a:t> the various parties involved in online shopping and their individual roles in the system.</a:t>
-            </a:r>
-          </a:p>
-          <a:p>
-            <a:r>
-              <a:rPr lang="en-US" dirty="0"/>
-              <a:t>While focusing on online shopping stores which dealt in clothing I was also able to carry out a review on the following shopping stores</a:t>
-            </a:r>
-          </a:p>
-          <a:p>
-            <a:pPr marL="1314450" lvl="2" indent="-400050">
+              <a:t>The research on online and traditional shopping stores was carried out with the following stores in mind:</a:t>
+            </a:r>
+          </a:p>
+          <a:p>
+            <a:pPr marL="971550" lvl="1" indent="-514350">
               <a:buFont typeface="+mj-lt"/>
               <a:buAutoNum type="romanLcPeriod"/>
             </a:pPr>
             <a:r>
               <a:rPr lang="en-US" dirty="0"/>
-              <a:t> Mimi Kenya Online Shopping stores</a:t>
-            </a:r>
-          </a:p>
-          <a:p>
-            <a:pPr marL="1314450" lvl="2" indent="-400050">
+              <a:t>How does online shopping work in general stores.</a:t>
+            </a:r>
+          </a:p>
+          <a:p>
+            <a:pPr marL="971550" lvl="1" indent="-514350">
               <a:buFont typeface="+mj-lt"/>
               <a:buAutoNum type="romanLcPeriod"/>
             </a:pPr>
             <a:r>
               <a:rPr lang="en-US" dirty="0"/>
-              <a:t>Jumia online shopping Store</a:t>
-            </a:r>
-          </a:p>
-          <a:p>
-            <a:pPr marL="1314450" lvl="2" indent="-400050">
+              <a:t>What are the various business models that are placed in the working of the online stores.</a:t>
+            </a:r>
+          </a:p>
+          <a:p>
+            <a:pPr marL="971550" lvl="1" indent="-514350">
               <a:buFont typeface="+mj-lt"/>
               <a:buAutoNum type="romanLcPeriod"/>
             </a:pPr>
             <a:r>
               <a:rPr lang="en-US" dirty="0"/>
-              <a:t>Mama Mike’s Online Shopping store</a:t>
+              <a:t>Who are the specific group of individuals that make up the structure of the online shopping stores.</a:t>
+            </a:r>
+          </a:p>
+          <a:p>
+            <a:pPr marL="971550" lvl="1" indent="-514350">
+              <a:buFont typeface="+mj-lt"/>
+              <a:buAutoNum type="romanLcPeriod"/>
+            </a:pPr>
+            <a:r>
+              <a:rPr lang="en-US" dirty="0"/>
+              <a:t>What are the major issues facing the current list of stores and how they can be addressed.</a:t>
+            </a:r>
+          </a:p>
+          <a:p>
+            <a:pPr marL="971550" lvl="1" indent="-514350">
+              <a:buFont typeface="+mj-lt"/>
+              <a:buAutoNum type="romanLcPeriod"/>
+            </a:pPr>
+            <a:r>
+              <a:rPr lang="en-US" dirty="0"/>
+              <a:t>How can the shopping experience be enhanced and by what additional feature.</a:t>
             </a:r>
           </a:p>
         </p:txBody>
@@ -8881,7 +8926,7 @@
     </p:spTree>
     <p:extLst>
       <p:ext uri="{BB962C8B-B14F-4D97-AF65-F5344CB8AC3E}">
-        <p14:creationId xmlns:p14="http://schemas.microsoft.com/office/powerpoint/2010/main" val="4275814567"/>
+        <p14:creationId xmlns:p14="http://schemas.microsoft.com/office/powerpoint/2010/main" val="1554376778"/>
       </p:ext>
     </p:extLst>
   </p:cSld>
@@ -8913,7 +8958,7 @@
           <p:cNvPr id="2" name="Title 1">
             <a:extLst>
               <a:ext uri="{FF2B5EF4-FFF2-40B4-BE49-F238E27FC236}">
-                <a16:creationId xmlns:a16="http://schemas.microsoft.com/office/drawing/2014/main" id="{C18B4377-C25B-4A94-A093-813454231DF5}"/>
+                <a16:creationId xmlns:a16="http://schemas.microsoft.com/office/drawing/2014/main" id="{5A261835-FE09-41A6-AA66-9BB4FC7FC42E}"/>
               </a:ext>
             </a:extLst>
           </p:cNvPr>
@@ -8931,7 +8976,7 @@
           <a:p>
             <a:r>
               <a:rPr lang="en-US" dirty="0"/>
-              <a:t>Methodology</a:t>
+              <a:t>Literature Review</a:t>
             </a:r>
           </a:p>
         </p:txBody>
@@ -8941,7 +8986,7 @@
           <p:cNvPr id="3" name="Content Placeholder 2">
             <a:extLst>
               <a:ext uri="{FF2B5EF4-FFF2-40B4-BE49-F238E27FC236}">
-                <a16:creationId xmlns:a16="http://schemas.microsoft.com/office/drawing/2014/main" id="{8C6CE4BD-FC20-40B5-B389-817C68B357BB}"/>
+                <a16:creationId xmlns:a16="http://schemas.microsoft.com/office/drawing/2014/main" id="{5D61A4D3-B77E-402F-B460-9BC5E1BA2A35}"/>
               </a:ext>
             </a:extLst>
           </p:cNvPr>
@@ -8955,39 +9000,55 @@
         <p:spPr/>
         <p:txBody>
           <a:bodyPr>
-            <a:normAutofit fontScale="92500" lnSpcReduction="20000"/>
+            <a:normAutofit fontScale="92500" lnSpcReduction="10000"/>
           </a:bodyPr>
           <a:lstStyle/>
           <a:p>
             <a:r>
               <a:rPr lang="en-US" dirty="0"/>
-              <a:t>My research mainly employed the use of quantitative design techniques in order to gather data about people and their experience and expectations they have while shopping online for clothes.</a:t>
+              <a:t>During my research I was able to come up with detailed information on how the online stores worked and their business models that they. </a:t>
             </a:r>
           </a:p>
           <a:p>
             <a:r>
               <a:rPr lang="en-US" dirty="0"/>
-              <a:t>My main quantitative tool of research was the use of a questionnaire. </a:t>
+              <a:t>The information on the online shopping stores also enabled the determining the various parties involved in online shopping and their individual roles in the system.</a:t>
             </a:r>
           </a:p>
           <a:p>
             <a:r>
               <a:rPr lang="en-US" dirty="0"/>
-              <a:t>A questionnaire was developed and distributed among random individuals within and away from the campus environment with an aim of collecting data on their feedback concerning online clothing stores.</a:t>
-            </a:r>
-          </a:p>
-          <a:p>
+              <a:t>While focusing on online shopping stores which dealt in clothing I was also able to carry out a review on the following shopping stores</a:t>
+            </a:r>
+          </a:p>
+          <a:p>
+            <a:pPr marL="1314450" lvl="2" indent="-400050">
+              <a:buFont typeface="+mj-lt"/>
+              <a:buAutoNum type="romanLcPeriod"/>
+            </a:pPr>
             <a:r>
               <a:rPr lang="en-US" dirty="0"/>
-              <a:t>The data was then analyzed and conclusions drawn from them on </a:t>
-            </a:r>
-            <a:r>
-              <a:rPr lang="en-US" dirty="0" err="1"/>
-              <a:t>rhe</a:t>
-            </a:r>
+              <a:t> Mimi Kenya Online Shopping stores</a:t>
+            </a:r>
+          </a:p>
+          <a:p>
+            <a:pPr marL="1314450" lvl="2" indent="-400050">
+              <a:buFont typeface="+mj-lt"/>
+              <a:buAutoNum type="romanLcPeriod"/>
+            </a:pPr>
             <a:r>
               <a:rPr lang="en-US" dirty="0"/>
-              <a:t> peoples opinion on online shopping and the type of improvements that they hoped to see takes place.</a:t>
+              <a:t>Jumia online shopping Store</a:t>
+            </a:r>
+          </a:p>
+          <a:p>
+            <a:pPr marL="1314450" lvl="2" indent="-400050">
+              <a:buFont typeface="+mj-lt"/>
+              <a:buAutoNum type="romanLcPeriod"/>
+            </a:pPr>
+            <a:r>
+              <a:rPr lang="en-US" dirty="0"/>
+              <a:t>Mama Mike’s Online Shopping store</a:t>
             </a:r>
           </a:p>
         </p:txBody>
@@ -8995,7 +9056,7 @@
     </p:spTree>
     <p:extLst>
       <p:ext uri="{BB962C8B-B14F-4D97-AF65-F5344CB8AC3E}">
-        <p14:creationId xmlns:p14="http://schemas.microsoft.com/office/powerpoint/2010/main" val="1757978832"/>
+        <p14:creationId xmlns:p14="http://schemas.microsoft.com/office/powerpoint/2010/main" val="4275814567"/>
       </p:ext>
     </p:extLst>
   </p:cSld>
@@ -9027,7 +9088,7 @@
           <p:cNvPr id="2" name="Title 1">
             <a:extLst>
               <a:ext uri="{FF2B5EF4-FFF2-40B4-BE49-F238E27FC236}">
-                <a16:creationId xmlns:a16="http://schemas.microsoft.com/office/drawing/2014/main" id="{62378BA3-7098-4DD9-AE19-48B1BE392321}"/>
+                <a16:creationId xmlns:a16="http://schemas.microsoft.com/office/drawing/2014/main" id="{C18B4377-C25B-4A94-A093-813454231DF5}"/>
               </a:ext>
             </a:extLst>
           </p:cNvPr>
@@ -9045,15 +9106,7 @@
           <a:p>
             <a:r>
               <a:rPr lang="en-US" dirty="0"/>
-              <a:t>Methodology (</a:t>
-            </a:r>
-            <a:r>
-              <a:rPr lang="en-US" dirty="0" err="1"/>
-              <a:t>cont</a:t>
-            </a:r>
-            <a:r>
-              <a:rPr lang="en-US" dirty="0"/>
-              <a:t>…) </a:t>
+              <a:t>Methodology</a:t>
             </a:r>
           </a:p>
         </p:txBody>
@@ -9063,7 +9116,7 @@
           <p:cNvPr id="3" name="Content Placeholder 2">
             <a:extLst>
               <a:ext uri="{FF2B5EF4-FFF2-40B4-BE49-F238E27FC236}">
-                <a16:creationId xmlns:a16="http://schemas.microsoft.com/office/drawing/2014/main" id="{E8085149-DB41-437C-BBD3-1D729870106E}"/>
+                <a16:creationId xmlns:a16="http://schemas.microsoft.com/office/drawing/2014/main" id="{8C6CE4BD-FC20-40B5-B389-817C68B357BB}"/>
               </a:ext>
             </a:extLst>
           </p:cNvPr>
@@ -9076,18 +9129,32 @@
         </p:nvSpPr>
         <p:spPr/>
         <p:txBody>
-          <a:bodyPr/>
+          <a:bodyPr>
+            <a:normAutofit fontScale="92500" lnSpcReduction="20000"/>
+          </a:bodyPr>
           <a:lstStyle/>
           <a:p>
             <a:r>
               <a:rPr lang="en-US" dirty="0"/>
-              <a:t>Apart from the  questionnaires, online articles served a great deal in offering information concerning the topic at hand.</a:t>
+              <a:t>My research mainly employed the use of quantitative design techniques in order to gather data about people and their experience and expectations they have while shopping online for clothes.</a:t>
             </a:r>
           </a:p>
           <a:p>
             <a:r>
               <a:rPr lang="en-US" dirty="0"/>
-              <a:t>A  visit to the websites that dealt with the same business was also of great use to the research because it exposed me to the various business models used by the different stores to achieve their purpose.</a:t>
+              <a:t>My main quantitative tool of research was the use of a questionnaire. </a:t>
+            </a:r>
+          </a:p>
+          <a:p>
+            <a:r>
+              <a:rPr lang="en-US" dirty="0"/>
+              <a:t>A questionnaire was developed and distributed among random individuals within and away from the campus environment with an aim of collecting data on their feedback concerning online clothing stores.</a:t>
+            </a:r>
+          </a:p>
+          <a:p>
+            <a:r>
+              <a:rPr lang="en-US" dirty="0"/>
+              <a:t>The data was then analyzed and conclusions drawn from them on the peoples opinion on online shopping and the type of improvements that they hoped to see takes place.</a:t>
             </a:r>
           </a:p>
         </p:txBody>
@@ -9095,7 +9162,7 @@
     </p:spTree>
     <p:extLst>
       <p:ext uri="{BB962C8B-B14F-4D97-AF65-F5344CB8AC3E}">
-        <p14:creationId xmlns:p14="http://schemas.microsoft.com/office/powerpoint/2010/main" val="3466762393"/>
+        <p14:creationId xmlns:p14="http://schemas.microsoft.com/office/powerpoint/2010/main" val="1757978832"/>
       </p:ext>
     </p:extLst>
   </p:cSld>
@@ -9127,7 +9194,7 @@
           <p:cNvPr id="2" name="Title 1">
             <a:extLst>
               <a:ext uri="{FF2B5EF4-FFF2-40B4-BE49-F238E27FC236}">
-                <a16:creationId xmlns:a16="http://schemas.microsoft.com/office/drawing/2014/main" id="{66AC41BA-88B0-43FE-AAD9-9638E0F3EC51}"/>
+                <a16:creationId xmlns:a16="http://schemas.microsoft.com/office/drawing/2014/main" id="{62378BA3-7098-4DD9-AE19-48B1BE392321}"/>
               </a:ext>
             </a:extLst>
           </p:cNvPr>
@@ -9145,7 +9212,7 @@
           <a:p>
             <a:r>
               <a:rPr lang="en-US" dirty="0"/>
-              <a:t>Design</a:t>
+              <a:t>Methodology (cont…) </a:t>
             </a:r>
           </a:p>
         </p:txBody>
@@ -9155,7 +9222,7 @@
           <p:cNvPr id="3" name="Content Placeholder 2">
             <a:extLst>
               <a:ext uri="{FF2B5EF4-FFF2-40B4-BE49-F238E27FC236}">
-                <a16:creationId xmlns:a16="http://schemas.microsoft.com/office/drawing/2014/main" id="{DC971D44-1C92-48C7-B56C-5E50160F2BB7}"/>
+                <a16:creationId xmlns:a16="http://schemas.microsoft.com/office/drawing/2014/main" id="{E8085149-DB41-437C-BBD3-1D729870106E}"/>
               </a:ext>
             </a:extLst>
           </p:cNvPr>
@@ -9173,45 +9240,21 @@
           <a:p>
             <a:r>
               <a:rPr lang="en-US" dirty="0"/>
-              <a:t>Context Diagram</a:t>
-            </a:r>
-          </a:p>
-        </p:txBody>
-      </p:sp>
-      <p:pic>
-        <p:nvPicPr>
-          <p:cNvPr id="4" name="Picture 3">
-            <a:extLst>
-              <a:ext uri="{FF2B5EF4-FFF2-40B4-BE49-F238E27FC236}">
-                <a16:creationId xmlns:a16="http://schemas.microsoft.com/office/drawing/2014/main" id="{1853C575-07AB-46A2-A8E8-3F1385FA1C47}"/>
-              </a:ext>
-            </a:extLst>
-          </p:cNvPr>
-          <p:cNvPicPr>
-            <a:picLocks noChangeAspect="1"/>
-          </p:cNvPicPr>
-          <p:nvPr/>
-        </p:nvPicPr>
-        <p:blipFill>
-          <a:blip r:embed="rId2"/>
-          <a:stretch>
-            <a:fillRect/>
-          </a:stretch>
-        </p:blipFill>
-        <p:spPr>
-          <a:xfrm>
-            <a:off x="4301514" y="2833944"/>
-            <a:ext cx="3923116" cy="3041924"/>
-          </a:xfrm>
-          <a:prstGeom prst="rect">
-            <a:avLst/>
-          </a:prstGeom>
-        </p:spPr>
-      </p:pic>
+              <a:t>Apart from the  questionnaires, online articles served a great deal in offering information concerning the topic at hand.</a:t>
+            </a:r>
+          </a:p>
+          <a:p>
+            <a:r>
+              <a:rPr lang="en-US" dirty="0"/>
+              <a:t>A  visit to the websites that dealt with the same business was also of great use to the research because it exposed me to the various business models used by the different stores to achieve their purpose.</a:t>
+            </a:r>
+          </a:p>
+        </p:txBody>
+      </p:sp>
     </p:spTree>
     <p:extLst>
       <p:ext uri="{BB962C8B-B14F-4D97-AF65-F5344CB8AC3E}">
-        <p14:creationId xmlns:p14="http://schemas.microsoft.com/office/powerpoint/2010/main" val="1889045406"/>
+        <p14:creationId xmlns:p14="http://schemas.microsoft.com/office/powerpoint/2010/main" val="3466762393"/>
       </p:ext>
     </p:extLst>
   </p:cSld>

--- a/report/ONLINE PEACE TAILORING SHOPPING STORE.pptx
+++ b/report/ONLINE PEACE TAILORING SHOPPING STORE.pptx
@@ -13,8 +13,8 @@
     <p:sldId id="260" r:id="rId7"/>
     <p:sldId id="262" r:id="rId8"/>
     <p:sldId id="263" r:id="rId9"/>
-    <p:sldId id="264" r:id="rId10"/>
-    <p:sldId id="265" r:id="rId11"/>
+    <p:sldId id="265" r:id="rId10"/>
+    <p:sldId id="264" r:id="rId11"/>
     <p:sldId id="269" r:id="rId12"/>
     <p:sldId id="267" r:id="rId13"/>
     <p:sldId id="268" r:id="rId14"/>
@@ -469,7 +469,7 @@
             <a:fld id="{B61BEF0D-F0BB-DE4B-95CE-6DB70DBA9567}" type="datetimeFigureOut">
               <a:rPr lang="en-US" smtClean="0"/>
               <a:pPr/>
-              <a:t>11/29/2018</a:t>
+              <a:t>12/4/2018</a:t>
             </a:fld>
             <a:endParaRPr lang="en-US" dirty="0"/>
           </a:p>
@@ -794,7 +794,7 @@
             <a:fld id="{B61BEF0D-F0BB-DE4B-95CE-6DB70DBA9567}" type="datetimeFigureOut">
               <a:rPr lang="en-US" smtClean="0"/>
               <a:pPr/>
-              <a:t>11/29/2018</a:t>
+              <a:t>12/4/2018</a:t>
             </a:fld>
             <a:endParaRPr lang="en-US" dirty="0"/>
           </a:p>
@@ -1044,7 +1044,7 @@
             <a:fld id="{B61BEF0D-F0BB-DE4B-95CE-6DB70DBA9567}" type="datetimeFigureOut">
               <a:rPr lang="en-US" smtClean="0"/>
               <a:pPr/>
-              <a:t>11/29/2018</a:t>
+              <a:t>12/4/2018</a:t>
             </a:fld>
             <a:endParaRPr lang="en-US" dirty="0"/>
           </a:p>
@@ -1385,7 +1385,7 @@
             <a:fld id="{B61BEF0D-F0BB-DE4B-95CE-6DB70DBA9567}" type="datetimeFigureOut">
               <a:rPr lang="en-US" smtClean="0"/>
               <a:pPr/>
-              <a:t>11/29/2018</a:t>
+              <a:t>12/4/2018</a:t>
             </a:fld>
             <a:endParaRPr lang="en-US" dirty="0"/>
           </a:p>
@@ -1734,7 +1734,7 @@
             <a:fld id="{B61BEF0D-F0BB-DE4B-95CE-6DB70DBA9567}" type="datetimeFigureOut">
               <a:rPr lang="en-US" smtClean="0"/>
               <a:pPr/>
-              <a:t>11/29/2018</a:t>
+              <a:t>12/4/2018</a:t>
             </a:fld>
             <a:endParaRPr lang="en-US" dirty="0"/>
           </a:p>
@@ -2110,7 +2110,7 @@
             <a:fld id="{B61BEF0D-F0BB-DE4B-95CE-6DB70DBA9567}" type="datetimeFigureOut">
               <a:rPr lang="en-US" smtClean="0"/>
               <a:pPr/>
-              <a:t>11/29/2018</a:t>
+              <a:t>12/4/2018</a:t>
             </a:fld>
             <a:endParaRPr lang="en-US" dirty="0"/>
           </a:p>
@@ -2582,7 +2582,7 @@
             <a:fld id="{B61BEF0D-F0BB-DE4B-95CE-6DB70DBA9567}" type="datetimeFigureOut">
               <a:rPr lang="en-US" smtClean="0"/>
               <a:pPr/>
-              <a:t>11/29/2018</a:t>
+              <a:t>12/4/2018</a:t>
             </a:fld>
             <a:endParaRPr lang="en-US" dirty="0"/>
           </a:p>
@@ -2789,7 +2789,7 @@
             <a:fld id="{B61BEF0D-F0BB-DE4B-95CE-6DB70DBA9567}" type="datetimeFigureOut">
               <a:rPr lang="en-US" smtClean="0"/>
               <a:pPr/>
-              <a:t>11/29/2018</a:t>
+              <a:t>12/4/2018</a:t>
             </a:fld>
             <a:endParaRPr lang="en-US" dirty="0"/>
           </a:p>
@@ -3002,7 +3002,7 @@
             <a:fld id="{B61BEF0D-F0BB-DE4B-95CE-6DB70DBA9567}" type="datetimeFigureOut">
               <a:rPr lang="en-US" smtClean="0"/>
               <a:pPr/>
-              <a:t>11/29/2018</a:t>
+              <a:t>12/4/2018</a:t>
             </a:fld>
             <a:endParaRPr lang="en-US" dirty="0"/>
           </a:p>
@@ -3235,7 +3235,7 @@
           <a:p>
             <a:fld id="{52647F38-B617-4D2F-AE0A-013F0C4D2C57}" type="datetimeFigureOut">
               <a:rPr lang="en-US" smtClean="0"/>
-              <a:t>11/29/2018</a:t>
+              <a:t>12/4/2018</a:t>
             </a:fld>
             <a:endParaRPr lang="en-US" dirty="0"/>
           </a:p>
@@ -3484,7 +3484,7 @@
             <a:fld id="{B61BEF0D-F0BB-DE4B-95CE-6DB70DBA9567}" type="datetimeFigureOut">
               <a:rPr lang="en-US" smtClean="0"/>
               <a:pPr/>
-              <a:t>11/29/2018</a:t>
+              <a:t>12/4/2018</a:t>
             </a:fld>
             <a:endParaRPr lang="en-US" dirty="0"/>
           </a:p>
@@ -3783,7 +3783,7 @@
           <a:p>
             <a:fld id="{05BFA754-D5C3-4E66-96A6-867B257F58DC}" type="datetimeFigureOut">
               <a:rPr lang="en-US" smtClean="0"/>
-              <a:t>11/29/2018</a:t>
+              <a:t>12/4/2018</a:t>
             </a:fld>
             <a:endParaRPr lang="en-US" dirty="0"/>
           </a:p>
@@ -4178,7 +4178,7 @@
             <a:fld id="{B61BEF0D-F0BB-DE4B-95CE-6DB70DBA9567}" type="datetimeFigureOut">
               <a:rPr lang="en-US" smtClean="0"/>
               <a:pPr/>
-              <a:t>11/29/2018</a:t>
+              <a:t>12/4/2018</a:t>
             </a:fld>
             <a:endParaRPr lang="en-US" dirty="0"/>
           </a:p>
@@ -4329,7 +4329,7 @@
             <a:fld id="{B61BEF0D-F0BB-DE4B-95CE-6DB70DBA9567}" type="datetimeFigureOut">
               <a:rPr lang="en-US" smtClean="0"/>
               <a:pPr/>
-              <a:t>11/29/2018</a:t>
+              <a:t>12/4/2018</a:t>
             </a:fld>
             <a:endParaRPr lang="en-US" dirty="0"/>
           </a:p>
@@ -4457,7 +4457,7 @@
             <a:fld id="{B61BEF0D-F0BB-DE4B-95CE-6DB70DBA9567}" type="datetimeFigureOut">
               <a:rPr lang="en-US" smtClean="0"/>
               <a:pPr/>
-              <a:t>11/29/2018</a:t>
+              <a:t>12/4/2018</a:t>
             </a:fld>
             <a:endParaRPr lang="en-US" dirty="0"/>
           </a:p>
@@ -4714,7 +4714,7 @@
             <a:fld id="{B61BEF0D-F0BB-DE4B-95CE-6DB70DBA9567}" type="datetimeFigureOut">
               <a:rPr lang="en-US" smtClean="0"/>
               <a:pPr/>
-              <a:t>11/29/2018</a:t>
+              <a:t>12/4/2018</a:t>
             </a:fld>
             <a:endParaRPr lang="en-US" dirty="0"/>
           </a:p>
@@ -5030,7 +5030,7 @@
             <a:fld id="{B61BEF0D-F0BB-DE4B-95CE-6DB70DBA9567}" type="datetimeFigureOut">
               <a:rPr lang="en-US" smtClean="0"/>
               <a:pPr/>
-              <a:t>11/29/2018</a:t>
+              <a:t>12/4/2018</a:t>
             </a:fld>
             <a:endParaRPr lang="en-US" dirty="0"/>
           </a:p>
@@ -5383,7 +5383,7 @@
             <a:fld id="{B61BEF0D-F0BB-DE4B-95CE-6DB70DBA9567}" type="datetimeFigureOut">
               <a:rPr lang="en-US" smtClean="0"/>
               <a:pPr/>
-              <a:t>11/29/2018</a:t>
+              <a:t>12/4/2018</a:t>
             </a:fld>
             <a:endParaRPr lang="en-US" dirty="0"/>
           </a:p>
@@ -5950,7 +5950,7 @@
           <a:p>
             <a:r>
               <a:rPr lang="en-US" sz="4000" dirty="0"/>
-              <a:t>ONLINE PEACE TAILORING SHOPPING STORE</a:t>
+              <a:t> PEACE TAILORING ONLINE SHOPPING STORE</a:t>
             </a:r>
           </a:p>
         </p:txBody>
@@ -6032,7 +6032,7 @@
           <p:cNvPr id="2" name="Title 1">
             <a:extLst>
               <a:ext uri="{FF2B5EF4-FFF2-40B4-BE49-F238E27FC236}">
-                <a16:creationId xmlns:a16="http://schemas.microsoft.com/office/drawing/2014/main" id="{66AC41BA-88B0-43FE-AAD9-9638E0F3EC51}"/>
+                <a16:creationId xmlns:a16="http://schemas.microsoft.com/office/drawing/2014/main" id="{62378BA3-7098-4DD9-AE19-48B1BE392321}"/>
               </a:ext>
             </a:extLst>
           </p:cNvPr>
@@ -6050,7 +6050,7 @@
           <a:p>
             <a:r>
               <a:rPr lang="en-US" dirty="0"/>
-              <a:t>Design</a:t>
+              <a:t>Methodology (cont…) </a:t>
             </a:r>
           </a:p>
         </p:txBody>
@@ -6060,7 +6060,7 @@
           <p:cNvPr id="3" name="Content Placeholder 2">
             <a:extLst>
               <a:ext uri="{FF2B5EF4-FFF2-40B4-BE49-F238E27FC236}">
-                <a16:creationId xmlns:a16="http://schemas.microsoft.com/office/drawing/2014/main" id="{DC971D44-1C92-48C7-B56C-5E50160F2BB7}"/>
+                <a16:creationId xmlns:a16="http://schemas.microsoft.com/office/drawing/2014/main" id="{E8085149-DB41-437C-BBD3-1D729870106E}"/>
               </a:ext>
             </a:extLst>
           </p:cNvPr>
@@ -6078,45 +6078,21 @@
           <a:p>
             <a:r>
               <a:rPr lang="en-US" dirty="0"/>
-              <a:t>Context Diagram</a:t>
-            </a:r>
-          </a:p>
-        </p:txBody>
-      </p:sp>
-      <p:pic>
-        <p:nvPicPr>
-          <p:cNvPr id="4" name="Picture 3">
-            <a:extLst>
-              <a:ext uri="{FF2B5EF4-FFF2-40B4-BE49-F238E27FC236}">
-                <a16:creationId xmlns:a16="http://schemas.microsoft.com/office/drawing/2014/main" id="{1853C575-07AB-46A2-A8E8-3F1385FA1C47}"/>
-              </a:ext>
-            </a:extLst>
-          </p:cNvPr>
-          <p:cNvPicPr>
-            <a:picLocks noChangeAspect="1"/>
-          </p:cNvPicPr>
-          <p:nvPr/>
-        </p:nvPicPr>
-        <p:blipFill>
-          <a:blip r:embed="rId2"/>
-          <a:stretch>
-            <a:fillRect/>
-          </a:stretch>
-        </p:blipFill>
-        <p:spPr>
-          <a:xfrm>
-            <a:off x="4301514" y="2833944"/>
-            <a:ext cx="3923116" cy="3041924"/>
-          </a:xfrm>
-          <a:prstGeom prst="rect">
-            <a:avLst/>
-          </a:prstGeom>
-        </p:spPr>
-      </p:pic>
+              <a:t>Apart from the  questionnaires, online articles served a great deal in offering information concerning the topic at hand.</a:t>
+            </a:r>
+          </a:p>
+          <a:p>
+            <a:r>
+              <a:rPr lang="en-US" dirty="0"/>
+              <a:t>A  visit to the websites that dealt with the same business was also of great use to the research because it exposed me to the various business models used by the different stores to achieve their purpose.</a:t>
+            </a:r>
+          </a:p>
+        </p:txBody>
+      </p:sp>
     </p:spTree>
     <p:extLst>
       <p:ext uri="{BB962C8B-B14F-4D97-AF65-F5344CB8AC3E}">
-        <p14:creationId xmlns:p14="http://schemas.microsoft.com/office/powerpoint/2010/main" val="1889045406"/>
+        <p14:creationId xmlns:p14="http://schemas.microsoft.com/office/powerpoint/2010/main" val="3466762393"/>
       </p:ext>
     </p:extLst>
   </p:cSld>
@@ -8780,7 +8756,7 @@
             </a:pPr>
             <a:r>
               <a:rPr lang="en-US" dirty="0"/>
-              <a:t>How can the systems can be made more efficient to improve customer experience.</a:t>
+              <a:t>How can the systems  be made more efficient to improve customer experience.</a:t>
             </a:r>
           </a:p>
         </p:txBody>
@@ -9194,7 +9170,7 @@
           <p:cNvPr id="2" name="Title 1">
             <a:extLst>
               <a:ext uri="{FF2B5EF4-FFF2-40B4-BE49-F238E27FC236}">
-                <a16:creationId xmlns:a16="http://schemas.microsoft.com/office/drawing/2014/main" id="{62378BA3-7098-4DD9-AE19-48B1BE392321}"/>
+                <a16:creationId xmlns:a16="http://schemas.microsoft.com/office/drawing/2014/main" id="{66AC41BA-88B0-43FE-AAD9-9638E0F3EC51}"/>
               </a:ext>
             </a:extLst>
           </p:cNvPr>
@@ -9212,7 +9188,7 @@
           <a:p>
             <a:r>
               <a:rPr lang="en-US" dirty="0"/>
-              <a:t>Methodology (cont…) </a:t>
+              <a:t>Design</a:t>
             </a:r>
           </a:p>
         </p:txBody>
@@ -9222,7 +9198,7 @@
           <p:cNvPr id="3" name="Content Placeholder 2">
             <a:extLst>
               <a:ext uri="{FF2B5EF4-FFF2-40B4-BE49-F238E27FC236}">
-                <a16:creationId xmlns:a16="http://schemas.microsoft.com/office/drawing/2014/main" id="{E8085149-DB41-437C-BBD3-1D729870106E}"/>
+                <a16:creationId xmlns:a16="http://schemas.microsoft.com/office/drawing/2014/main" id="{DC971D44-1C92-48C7-B56C-5E50160F2BB7}"/>
               </a:ext>
             </a:extLst>
           </p:cNvPr>
@@ -9240,21 +9216,45 @@
           <a:p>
             <a:r>
               <a:rPr lang="en-US" dirty="0"/>
-              <a:t>Apart from the  questionnaires, online articles served a great deal in offering information concerning the topic at hand.</a:t>
-            </a:r>
-          </a:p>
-          <a:p>
-            <a:r>
-              <a:rPr lang="en-US" dirty="0"/>
-              <a:t>A  visit to the websites that dealt with the same business was also of great use to the research because it exposed me to the various business models used by the different stores to achieve their purpose.</a:t>
-            </a:r>
-          </a:p>
-        </p:txBody>
-      </p:sp>
+              <a:t>Context Diagram</a:t>
+            </a:r>
+          </a:p>
+        </p:txBody>
+      </p:sp>
+      <p:pic>
+        <p:nvPicPr>
+          <p:cNvPr id="4" name="Picture 3">
+            <a:extLst>
+              <a:ext uri="{FF2B5EF4-FFF2-40B4-BE49-F238E27FC236}">
+                <a16:creationId xmlns:a16="http://schemas.microsoft.com/office/drawing/2014/main" id="{1853C575-07AB-46A2-A8E8-3F1385FA1C47}"/>
+              </a:ext>
+            </a:extLst>
+          </p:cNvPr>
+          <p:cNvPicPr>
+            <a:picLocks noChangeAspect="1"/>
+          </p:cNvPicPr>
+          <p:nvPr/>
+        </p:nvPicPr>
+        <p:blipFill>
+          <a:blip r:embed="rId2"/>
+          <a:stretch>
+            <a:fillRect/>
+          </a:stretch>
+        </p:blipFill>
+        <p:spPr>
+          <a:xfrm>
+            <a:off x="4301514" y="2833944"/>
+            <a:ext cx="3923116" cy="3041924"/>
+          </a:xfrm>
+          <a:prstGeom prst="rect">
+            <a:avLst/>
+          </a:prstGeom>
+        </p:spPr>
+      </p:pic>
     </p:spTree>
     <p:extLst>
       <p:ext uri="{BB962C8B-B14F-4D97-AF65-F5344CB8AC3E}">
-        <p14:creationId xmlns:p14="http://schemas.microsoft.com/office/powerpoint/2010/main" val="3466762393"/>
+        <p14:creationId xmlns:p14="http://schemas.microsoft.com/office/powerpoint/2010/main" val="1889045406"/>
       </p:ext>
     </p:extLst>
   </p:cSld>
